--- a/Presentation.pptx
+++ b/Presentation.pptx
@@ -9,9 +9,9 @@
     <p:sldId id="262" r:id="rId3"/>
     <p:sldId id="257" r:id="rId4"/>
     <p:sldId id="258" r:id="rId5"/>
-    <p:sldId id="259" r:id="rId6"/>
-    <p:sldId id="260" r:id="rId7"/>
-    <p:sldId id="261" r:id="rId8"/>
+    <p:sldId id="260" r:id="rId6"/>
+    <p:sldId id="261" r:id="rId7"/>
+    <p:sldId id="277" r:id="rId8"/>
     <p:sldId id="263" r:id="rId9"/>
     <p:sldId id="264" r:id="rId10"/>
     <p:sldId id="265" r:id="rId11"/>
@@ -20,12 +20,16 @@
     <p:sldId id="268" r:id="rId14"/>
     <p:sldId id="269" r:id="rId15"/>
     <p:sldId id="270" r:id="rId16"/>
-    <p:sldId id="271" r:id="rId17"/>
-    <p:sldId id="272" r:id="rId18"/>
-    <p:sldId id="273" r:id="rId19"/>
-    <p:sldId id="274" r:id="rId20"/>
-    <p:sldId id="275" r:id="rId21"/>
-    <p:sldId id="276" r:id="rId22"/>
+    <p:sldId id="278" r:id="rId17"/>
+    <p:sldId id="279" r:id="rId18"/>
+    <p:sldId id="271" r:id="rId19"/>
+    <p:sldId id="272" r:id="rId20"/>
+    <p:sldId id="273" r:id="rId21"/>
+    <p:sldId id="274" r:id="rId22"/>
+    <p:sldId id="275" r:id="rId23"/>
+    <p:sldId id="280" r:id="rId24"/>
+    <p:sldId id="276" r:id="rId25"/>
+    <p:sldId id="281" r:id="rId26"/>
   </p:sldIdLst>
   <p:sldSz cx="12192000" cy="6858000"/>
   <p:notesSz cx="6858000" cy="9144000"/>
@@ -360,7 +364,7 @@
           <a:p>
             <a:fld id="{C7F595AA-CB15-410E-9E58-FB430E5FEFB3}" type="datetimeFigureOut">
               <a:rPr lang="en-US" smtClean="0"/>
-              <a:t>4/18/2022</a:t>
+              <a:t>4/26/2022</a:t>
             </a:fld>
             <a:endParaRPr lang="en-US"/>
           </a:p>
@@ -568,7 +572,7 @@
           <a:p>
             <a:fld id="{C7F595AA-CB15-410E-9E58-FB430E5FEFB3}" type="datetimeFigureOut">
               <a:rPr lang="en-US" smtClean="0"/>
-              <a:t>4/18/2022</a:t>
+              <a:t>4/26/2022</a:t>
             </a:fld>
             <a:endParaRPr lang="en-US"/>
           </a:p>
@@ -826,7 +830,7 @@
           <a:p>
             <a:fld id="{C7F595AA-CB15-410E-9E58-FB430E5FEFB3}" type="datetimeFigureOut">
               <a:rPr lang="en-US" smtClean="0"/>
-              <a:t>4/18/2022</a:t>
+              <a:t>4/26/2022</a:t>
             </a:fld>
             <a:endParaRPr lang="en-US"/>
           </a:p>
@@ -996,7 +1000,7 @@
           <a:p>
             <a:fld id="{C7F595AA-CB15-410E-9E58-FB430E5FEFB3}" type="datetimeFigureOut">
               <a:rPr lang="en-US" smtClean="0"/>
-              <a:t>4/18/2022</a:t>
+              <a:t>4/26/2022</a:t>
             </a:fld>
             <a:endParaRPr lang="en-US"/>
           </a:p>
@@ -1333,7 +1337,7 @@
           <a:p>
             <a:fld id="{C7F595AA-CB15-410E-9E58-FB430E5FEFB3}" type="datetimeFigureOut">
               <a:rPr lang="en-US" smtClean="0"/>
-              <a:t>4/18/2022</a:t>
+              <a:t>4/26/2022</a:t>
             </a:fld>
             <a:endParaRPr lang="en-US"/>
           </a:p>
@@ -1608,7 +1612,7 @@
           <a:p>
             <a:fld id="{C7F595AA-CB15-410E-9E58-FB430E5FEFB3}" type="datetimeFigureOut">
               <a:rPr lang="en-US" smtClean="0"/>
-              <a:t>4/18/2022</a:t>
+              <a:t>4/26/2022</a:t>
             </a:fld>
             <a:endParaRPr lang="en-US"/>
           </a:p>
@@ -1987,7 +1991,7 @@
           <a:p>
             <a:fld id="{C7F595AA-CB15-410E-9E58-FB430E5FEFB3}" type="datetimeFigureOut">
               <a:rPr lang="en-US" smtClean="0"/>
-              <a:t>4/18/2022</a:t>
+              <a:t>4/26/2022</a:t>
             </a:fld>
             <a:endParaRPr lang="en-US"/>
           </a:p>
@@ -2105,7 +2109,7 @@
           <a:p>
             <a:fld id="{C7F595AA-CB15-410E-9E58-FB430E5FEFB3}" type="datetimeFigureOut">
               <a:rPr lang="en-US" smtClean="0"/>
-              <a:t>4/18/2022</a:t>
+              <a:t>4/26/2022</a:t>
             </a:fld>
             <a:endParaRPr lang="en-US"/>
           </a:p>
@@ -2278,7 +2282,7 @@
           <a:p>
             <a:fld id="{C7F595AA-CB15-410E-9E58-FB430E5FEFB3}" type="datetimeFigureOut">
               <a:rPr lang="en-US" smtClean="0"/>
-              <a:t>4/18/2022</a:t>
+              <a:t>4/26/2022</a:t>
             </a:fld>
             <a:endParaRPr lang="en-US"/>
           </a:p>
@@ -2634,7 +2638,7 @@
           <a:p>
             <a:fld id="{C7F595AA-CB15-410E-9E58-FB430E5FEFB3}" type="datetimeFigureOut">
               <a:rPr lang="en-US" smtClean="0"/>
-              <a:t>4/18/2022</a:t>
+              <a:t>4/26/2022</a:t>
             </a:fld>
             <a:endParaRPr lang="en-US"/>
           </a:p>
@@ -3013,7 +3017,7 @@
           <a:p>
             <a:fld id="{C7F595AA-CB15-410E-9E58-FB430E5FEFB3}" type="datetimeFigureOut">
               <a:rPr lang="en-US" smtClean="0"/>
-              <a:t>4/18/2022</a:t>
+              <a:t>4/26/2022</a:t>
             </a:fld>
             <a:endParaRPr lang="en-US"/>
           </a:p>
@@ -3302,7 +3306,7 @@
           <a:p>
             <a:fld id="{C7F595AA-CB15-410E-9E58-FB430E5FEFB3}" type="datetimeFigureOut">
               <a:rPr lang="en-US" smtClean="0"/>
-              <a:t>4/18/2022</a:t>
+              <a:t>4/26/2022</a:t>
             </a:fld>
             <a:endParaRPr lang="en-US"/>
           </a:p>
@@ -7949,6 +7953,2395 @@
           <p:cNvPr id="2" name="Title 1">
             <a:extLst>
               <a:ext uri="{FF2B5EF4-FFF2-40B4-BE49-F238E27FC236}">
+                <a16:creationId xmlns:a16="http://schemas.microsoft.com/office/drawing/2014/main" id="{53636CD9-6E9B-458C-B2DE-EA90CD9DC4C3}"/>
+              </a:ext>
+            </a:extLst>
+          </p:cNvPr>
+          <p:cNvSpPr>
+            <a:spLocks noGrp="1"/>
+          </p:cNvSpPr>
+          <p:nvPr>
+            <p:ph type="title"/>
+          </p:nvPr>
+        </p:nvSpPr>
+        <p:spPr/>
+        <p:txBody>
+          <a:bodyPr/>
+          <a:lstStyle/>
+          <a:p>
+            <a:r>
+              <a:rPr lang="sr-Latn-RS" b="1" dirty="0">
+                <a:latin typeface="Times New Roman" panose="02020603050405020304" pitchFamily="18" charset="0"/>
+                <a:cs typeface="Times New Roman" panose="02020603050405020304" pitchFamily="18" charset="0"/>
+              </a:rPr>
+              <a:t>SASI indeks</a:t>
+            </a:r>
+            <a:endParaRPr lang="en-US" b="1" dirty="0">
+              <a:latin typeface="Times New Roman" panose="02020603050405020304" pitchFamily="18" charset="0"/>
+              <a:cs typeface="Times New Roman" panose="02020603050405020304" pitchFamily="18" charset="0"/>
+            </a:endParaRPr>
+          </a:p>
+        </p:txBody>
+      </p:sp>
+      <p:sp>
+        <p:nvSpPr>
+          <p:cNvPr id="3" name="Content Placeholder 2">
+            <a:extLst>
+              <a:ext uri="{FF2B5EF4-FFF2-40B4-BE49-F238E27FC236}">
+                <a16:creationId xmlns:a16="http://schemas.microsoft.com/office/drawing/2014/main" id="{8A0948C6-38F8-4087-BC9B-10D2C7345150}"/>
+              </a:ext>
+            </a:extLst>
+          </p:cNvPr>
+          <p:cNvSpPr>
+            <a:spLocks noGrp="1"/>
+          </p:cNvSpPr>
+          <p:nvPr>
+            <p:ph idx="1"/>
+          </p:nvPr>
+        </p:nvSpPr>
+        <p:spPr>
+          <a:xfrm>
+            <a:off x="1097280" y="1845734"/>
+            <a:ext cx="10058400" cy="1450757"/>
+          </a:xfrm>
+        </p:spPr>
+        <p:txBody>
+          <a:bodyPr/>
+          <a:lstStyle/>
+          <a:p>
+            <a:pPr>
+              <a:buFont typeface="Arial" panose="020B0604020202020204" pitchFamily="34" charset="0"/>
+              <a:buChar char="•"/>
+            </a:pPr>
+            <a:r>
+              <a:rPr lang="sr-Latn-RS" dirty="0"/>
+              <a:t>Implementacija Cassandrinog Index interfejsa koja se koristi kao alternativa postojećim implemetacijama</a:t>
+            </a:r>
+          </a:p>
+          <a:p>
+            <a:pPr>
+              <a:buFont typeface="Arial" panose="020B0604020202020204" pitchFamily="34" charset="0"/>
+              <a:buChar char="•"/>
+            </a:pPr>
+            <a:r>
+              <a:rPr lang="sr-Latn-RS" sz="1800" dirty="0">
+                <a:effectLst/>
+                <a:latin typeface="Times New Roman" panose="02020603050405020304" pitchFamily="18" charset="0"/>
+                <a:ea typeface="Times New Roman" panose="02020603050405020304" pitchFamily="18" charset="0"/>
+              </a:rPr>
+              <a:t>SASI-jevo indeksiranje i upiti poboljšavaju postojeće implementacije tako što ga posebno prilagođavaju Cassandrinim potrebama.</a:t>
+            </a:r>
+          </a:p>
+          <a:p>
+            <a:pPr>
+              <a:buFont typeface="Arial" panose="020B0604020202020204" pitchFamily="34" charset="0"/>
+              <a:buChar char="•"/>
+            </a:pPr>
+            <a:endParaRPr lang="en-US" dirty="0"/>
+          </a:p>
+        </p:txBody>
+      </p:sp>
+      <p:sp>
+        <p:nvSpPr>
+          <p:cNvPr id="5" name="TextBox 4">
+            <a:extLst>
+              <a:ext uri="{FF2B5EF4-FFF2-40B4-BE49-F238E27FC236}">
+                <a16:creationId xmlns:a16="http://schemas.microsoft.com/office/drawing/2014/main" id="{271779FF-4054-4B60-BB2B-56A1F059F780}"/>
+              </a:ext>
+            </a:extLst>
+          </p:cNvPr>
+          <p:cNvSpPr txBox="1"/>
+          <p:nvPr/>
+        </p:nvSpPr>
+        <p:spPr>
+          <a:xfrm>
+            <a:off x="647037" y="3128942"/>
+            <a:ext cx="10958885" cy="3108543"/>
+          </a:xfrm>
+          <a:prstGeom prst="rect">
+            <a:avLst/>
+          </a:prstGeom>
+          <a:solidFill>
+            <a:schemeClr val="bg1"/>
+          </a:solidFill>
+        </p:spPr>
+        <p:txBody>
+          <a:bodyPr wrap="square">
+            <a:spAutoFit/>
+          </a:bodyPr>
+          <a:lstStyle/>
+          <a:p>
+            <a:pPr fontAlgn="base" latinLnBrk="1">
+              <a:tabLst>
+                <a:tab pos="581660" algn="l"/>
+                <a:tab pos="1163320" algn="l"/>
+                <a:tab pos="1744980" algn="l"/>
+                <a:tab pos="2326640" algn="l"/>
+                <a:tab pos="2908300" algn="l"/>
+                <a:tab pos="3489960" algn="l"/>
+                <a:tab pos="4071620" algn="l"/>
+                <a:tab pos="4653280" algn="l"/>
+                <a:tab pos="5234940" algn="l"/>
+                <a:tab pos="5816600" algn="l"/>
+                <a:tab pos="6398260" algn="l"/>
+                <a:tab pos="6979920" algn="l"/>
+                <a:tab pos="7561580" algn="l"/>
+                <a:tab pos="8143240" algn="l"/>
+                <a:tab pos="8724900" algn="l"/>
+                <a:tab pos="9306560" algn="l"/>
+              </a:tabLst>
+            </a:pPr>
+            <a:r>
+              <a:rPr lang="en-US" sz="1400" spc="-40" dirty="0" err="1">
+                <a:solidFill>
+                  <a:srgbClr val="555555"/>
+                </a:solidFill>
+                <a:effectLst/>
+                <a:latin typeface="Courier New" panose="02070309020205020404" pitchFamily="49" charset="0"/>
+                <a:ea typeface="Times New Roman" panose="02020603050405020304" pitchFamily="18" charset="0"/>
+              </a:rPr>
+              <a:t>cqlsh:demo</a:t>
+            </a:r>
+            <a:r>
+              <a:rPr lang="en-US" sz="1400" spc="-40" dirty="0">
+                <a:solidFill>
+                  <a:srgbClr val="555555"/>
+                </a:solidFill>
+                <a:effectLst/>
+                <a:latin typeface="Courier New" panose="02070309020205020404" pitchFamily="49" charset="0"/>
+                <a:ea typeface="Times New Roman" panose="02020603050405020304" pitchFamily="18" charset="0"/>
+              </a:rPr>
+              <a:t>&gt; CREATE CUSTOM INDEX ON </a:t>
+            </a:r>
+            <a:r>
+              <a:rPr lang="en-US" sz="1400" spc="-40" dirty="0" err="1">
+                <a:solidFill>
+                  <a:srgbClr val="555555"/>
+                </a:solidFill>
+                <a:effectLst/>
+                <a:latin typeface="Courier New" panose="02070309020205020404" pitchFamily="49" charset="0"/>
+                <a:ea typeface="Times New Roman" panose="02020603050405020304" pitchFamily="18" charset="0"/>
+              </a:rPr>
+              <a:t>sasi</a:t>
+            </a:r>
+            <a:r>
+              <a:rPr lang="en-US" sz="1400" spc="-40" dirty="0">
+                <a:solidFill>
+                  <a:srgbClr val="555555"/>
+                </a:solidFill>
+                <a:effectLst/>
+                <a:latin typeface="Courier New" panose="02070309020205020404" pitchFamily="49" charset="0"/>
+                <a:ea typeface="Times New Roman" panose="02020603050405020304" pitchFamily="18" charset="0"/>
+              </a:rPr>
+              <a:t> (</a:t>
+            </a:r>
+            <a:r>
+              <a:rPr lang="en-US" sz="1400" spc="-40" dirty="0" err="1">
+                <a:solidFill>
+                  <a:srgbClr val="555555"/>
+                </a:solidFill>
+                <a:effectLst/>
+                <a:latin typeface="Courier New" panose="02070309020205020404" pitchFamily="49" charset="0"/>
+                <a:ea typeface="Times New Roman" panose="02020603050405020304" pitchFamily="18" charset="0"/>
+              </a:rPr>
+              <a:t>first_name</a:t>
+            </a:r>
+            <a:r>
+              <a:rPr lang="en-US" sz="1400" spc="-40" dirty="0">
+                <a:solidFill>
+                  <a:srgbClr val="555555"/>
+                </a:solidFill>
+                <a:effectLst/>
+                <a:latin typeface="Courier New" panose="02070309020205020404" pitchFamily="49" charset="0"/>
+                <a:ea typeface="Times New Roman" panose="02020603050405020304" pitchFamily="18" charset="0"/>
+              </a:rPr>
+              <a:t>) USING '</a:t>
+            </a:r>
+            <a:r>
+              <a:rPr lang="en-US" sz="1400" spc="-40" dirty="0" err="1">
+                <a:solidFill>
+                  <a:srgbClr val="555555"/>
+                </a:solidFill>
+                <a:effectLst/>
+                <a:latin typeface="Courier New" panose="02070309020205020404" pitchFamily="49" charset="0"/>
+                <a:ea typeface="Times New Roman" panose="02020603050405020304" pitchFamily="18" charset="0"/>
+              </a:rPr>
+              <a:t>org.apache.cassandra.index.sasi.SASIIndex</a:t>
+            </a:r>
+            <a:r>
+              <a:rPr lang="en-US" sz="1400" spc="-40" dirty="0">
+                <a:solidFill>
+                  <a:srgbClr val="555555"/>
+                </a:solidFill>
+                <a:effectLst/>
+                <a:latin typeface="Courier New" panose="02070309020205020404" pitchFamily="49" charset="0"/>
+                <a:ea typeface="Times New Roman" panose="02020603050405020304" pitchFamily="18" charset="0"/>
+              </a:rPr>
+              <a:t>'</a:t>
+            </a:r>
+            <a:endParaRPr lang="en-US" sz="1400" dirty="0">
+              <a:effectLst/>
+              <a:latin typeface="Times New Roman" panose="02020603050405020304" pitchFamily="18" charset="0"/>
+              <a:ea typeface="Times New Roman" panose="02020603050405020304" pitchFamily="18" charset="0"/>
+            </a:endParaRPr>
+          </a:p>
+          <a:p>
+            <a:pPr fontAlgn="base" latinLnBrk="1">
+              <a:tabLst>
+                <a:tab pos="581660" algn="l"/>
+                <a:tab pos="1163320" algn="l"/>
+                <a:tab pos="1744980" algn="l"/>
+                <a:tab pos="2326640" algn="l"/>
+                <a:tab pos="2908300" algn="l"/>
+                <a:tab pos="3489960" algn="l"/>
+                <a:tab pos="4071620" algn="l"/>
+                <a:tab pos="4653280" algn="l"/>
+                <a:tab pos="5234940" algn="l"/>
+                <a:tab pos="5816600" algn="l"/>
+                <a:tab pos="6398260" algn="l"/>
+                <a:tab pos="6979920" algn="l"/>
+                <a:tab pos="7561580" algn="l"/>
+                <a:tab pos="8143240" algn="l"/>
+                <a:tab pos="8724900" algn="l"/>
+                <a:tab pos="9306560" algn="l"/>
+              </a:tabLst>
+            </a:pPr>
+            <a:r>
+              <a:rPr lang="en-US" sz="1400" spc="-40" dirty="0">
+                <a:solidFill>
+                  <a:srgbClr val="555555"/>
+                </a:solidFill>
+                <a:effectLst/>
+                <a:latin typeface="Courier New" panose="02070309020205020404" pitchFamily="49" charset="0"/>
+                <a:ea typeface="Times New Roman" panose="02020603050405020304" pitchFamily="18" charset="0"/>
+              </a:rPr>
+              <a:t>        ... WITH OPTIONS = {</a:t>
+            </a:r>
+            <a:endParaRPr lang="en-US" sz="1400" dirty="0">
+              <a:effectLst/>
+              <a:latin typeface="Times New Roman" panose="02020603050405020304" pitchFamily="18" charset="0"/>
+              <a:ea typeface="Times New Roman" panose="02020603050405020304" pitchFamily="18" charset="0"/>
+            </a:endParaRPr>
+          </a:p>
+          <a:p>
+            <a:pPr fontAlgn="base" latinLnBrk="1">
+              <a:tabLst>
+                <a:tab pos="581660" algn="l"/>
+                <a:tab pos="1163320" algn="l"/>
+                <a:tab pos="1744980" algn="l"/>
+                <a:tab pos="2326640" algn="l"/>
+                <a:tab pos="2908300" algn="l"/>
+                <a:tab pos="3489960" algn="l"/>
+                <a:tab pos="4071620" algn="l"/>
+                <a:tab pos="4653280" algn="l"/>
+                <a:tab pos="5234940" algn="l"/>
+                <a:tab pos="5816600" algn="l"/>
+                <a:tab pos="6398260" algn="l"/>
+                <a:tab pos="6979920" algn="l"/>
+                <a:tab pos="7561580" algn="l"/>
+                <a:tab pos="8143240" algn="l"/>
+                <a:tab pos="8724900" algn="l"/>
+                <a:tab pos="9306560" algn="l"/>
+              </a:tabLst>
+            </a:pPr>
+            <a:r>
+              <a:rPr lang="en-US" sz="1400" spc="-40" dirty="0">
+                <a:solidFill>
+                  <a:srgbClr val="555555"/>
+                </a:solidFill>
+                <a:effectLst/>
+                <a:latin typeface="Courier New" panose="02070309020205020404" pitchFamily="49" charset="0"/>
+                <a:ea typeface="Times New Roman" panose="02020603050405020304" pitchFamily="18" charset="0"/>
+              </a:rPr>
+              <a:t>        ... '</a:t>
+            </a:r>
+            <a:r>
+              <a:rPr lang="en-US" sz="1400" spc="-40" dirty="0" err="1">
+                <a:solidFill>
+                  <a:srgbClr val="555555"/>
+                </a:solidFill>
+                <a:effectLst/>
+                <a:latin typeface="Courier New" panose="02070309020205020404" pitchFamily="49" charset="0"/>
+                <a:ea typeface="Times New Roman" panose="02020603050405020304" pitchFamily="18" charset="0"/>
+              </a:rPr>
+              <a:t>analyzer_class</a:t>
+            </a:r>
+            <a:r>
+              <a:rPr lang="en-US" sz="1400" spc="-40" dirty="0">
+                <a:solidFill>
+                  <a:srgbClr val="555555"/>
+                </a:solidFill>
+                <a:effectLst/>
+                <a:latin typeface="Courier New" panose="02070309020205020404" pitchFamily="49" charset="0"/>
+                <a:ea typeface="Times New Roman" panose="02020603050405020304" pitchFamily="18" charset="0"/>
+              </a:rPr>
+              <a:t>':</a:t>
+            </a:r>
+            <a:endParaRPr lang="en-US" sz="1400" dirty="0">
+              <a:effectLst/>
+              <a:latin typeface="Times New Roman" panose="02020603050405020304" pitchFamily="18" charset="0"/>
+              <a:ea typeface="Times New Roman" panose="02020603050405020304" pitchFamily="18" charset="0"/>
+            </a:endParaRPr>
+          </a:p>
+          <a:p>
+            <a:pPr fontAlgn="base" latinLnBrk="1">
+              <a:tabLst>
+                <a:tab pos="581660" algn="l"/>
+                <a:tab pos="1163320" algn="l"/>
+                <a:tab pos="1744980" algn="l"/>
+                <a:tab pos="2326640" algn="l"/>
+                <a:tab pos="2908300" algn="l"/>
+                <a:tab pos="3489960" algn="l"/>
+                <a:tab pos="4071620" algn="l"/>
+                <a:tab pos="4653280" algn="l"/>
+                <a:tab pos="5234940" algn="l"/>
+                <a:tab pos="5816600" algn="l"/>
+                <a:tab pos="6398260" algn="l"/>
+                <a:tab pos="6979920" algn="l"/>
+                <a:tab pos="7561580" algn="l"/>
+                <a:tab pos="8143240" algn="l"/>
+                <a:tab pos="8724900" algn="l"/>
+                <a:tab pos="9306560" algn="l"/>
+              </a:tabLst>
+            </a:pPr>
+            <a:r>
+              <a:rPr lang="en-US" sz="1400" spc="-40" dirty="0">
+                <a:solidFill>
+                  <a:srgbClr val="555555"/>
+                </a:solidFill>
+                <a:effectLst/>
+                <a:latin typeface="Courier New" panose="02070309020205020404" pitchFamily="49" charset="0"/>
+                <a:ea typeface="Times New Roman" panose="02020603050405020304" pitchFamily="18" charset="0"/>
+              </a:rPr>
+              <a:t>        ...   'org.apache.cassandra.index.sasi.analyzer.NonTokenizingAnalyzer',</a:t>
+            </a:r>
+            <a:endParaRPr lang="en-US" sz="1400" dirty="0">
+              <a:effectLst/>
+              <a:latin typeface="Times New Roman" panose="02020603050405020304" pitchFamily="18" charset="0"/>
+              <a:ea typeface="Times New Roman" panose="02020603050405020304" pitchFamily="18" charset="0"/>
+            </a:endParaRPr>
+          </a:p>
+          <a:p>
+            <a:pPr fontAlgn="base" latinLnBrk="1">
+              <a:tabLst>
+                <a:tab pos="581660" algn="l"/>
+                <a:tab pos="1163320" algn="l"/>
+                <a:tab pos="1744980" algn="l"/>
+                <a:tab pos="2326640" algn="l"/>
+                <a:tab pos="2908300" algn="l"/>
+                <a:tab pos="3489960" algn="l"/>
+                <a:tab pos="4071620" algn="l"/>
+                <a:tab pos="4653280" algn="l"/>
+                <a:tab pos="5234940" algn="l"/>
+                <a:tab pos="5816600" algn="l"/>
+                <a:tab pos="6398260" algn="l"/>
+                <a:tab pos="6979920" algn="l"/>
+                <a:tab pos="7561580" algn="l"/>
+                <a:tab pos="8143240" algn="l"/>
+                <a:tab pos="8724900" algn="l"/>
+                <a:tab pos="9306560" algn="l"/>
+              </a:tabLst>
+            </a:pPr>
+            <a:r>
+              <a:rPr lang="en-US" sz="1400" spc="-40" dirty="0">
+                <a:solidFill>
+                  <a:srgbClr val="555555"/>
+                </a:solidFill>
+                <a:effectLst/>
+                <a:latin typeface="Courier New" panose="02070309020205020404" pitchFamily="49" charset="0"/>
+                <a:ea typeface="Times New Roman" panose="02020603050405020304" pitchFamily="18" charset="0"/>
+              </a:rPr>
+              <a:t>        ... '</a:t>
+            </a:r>
+            <a:r>
+              <a:rPr lang="en-US" sz="1400" spc="-40" dirty="0" err="1">
+                <a:solidFill>
+                  <a:srgbClr val="555555"/>
+                </a:solidFill>
+                <a:effectLst/>
+                <a:latin typeface="Courier New" panose="02070309020205020404" pitchFamily="49" charset="0"/>
+                <a:ea typeface="Times New Roman" panose="02020603050405020304" pitchFamily="18" charset="0"/>
+              </a:rPr>
+              <a:t>case_sensitive</a:t>
+            </a:r>
+            <a:r>
+              <a:rPr lang="en-US" sz="1400" spc="-40" dirty="0">
+                <a:solidFill>
+                  <a:srgbClr val="555555"/>
+                </a:solidFill>
+                <a:effectLst/>
+                <a:latin typeface="Courier New" panose="02070309020205020404" pitchFamily="49" charset="0"/>
+                <a:ea typeface="Times New Roman" panose="02020603050405020304" pitchFamily="18" charset="0"/>
+              </a:rPr>
+              <a:t>': 'false'</a:t>
+            </a:r>
+            <a:endParaRPr lang="en-US" sz="1400" dirty="0">
+              <a:effectLst/>
+              <a:latin typeface="Times New Roman" panose="02020603050405020304" pitchFamily="18" charset="0"/>
+              <a:ea typeface="Times New Roman" panose="02020603050405020304" pitchFamily="18" charset="0"/>
+            </a:endParaRPr>
+          </a:p>
+          <a:p>
+            <a:pPr fontAlgn="base" latinLnBrk="1">
+              <a:tabLst>
+                <a:tab pos="581660" algn="l"/>
+                <a:tab pos="1163320" algn="l"/>
+                <a:tab pos="1744980" algn="l"/>
+                <a:tab pos="2326640" algn="l"/>
+                <a:tab pos="2908300" algn="l"/>
+                <a:tab pos="3489960" algn="l"/>
+                <a:tab pos="4071620" algn="l"/>
+                <a:tab pos="4653280" algn="l"/>
+                <a:tab pos="5234940" algn="l"/>
+                <a:tab pos="5816600" algn="l"/>
+                <a:tab pos="6398260" algn="l"/>
+                <a:tab pos="6979920" algn="l"/>
+                <a:tab pos="7561580" algn="l"/>
+                <a:tab pos="8143240" algn="l"/>
+                <a:tab pos="8724900" algn="l"/>
+                <a:tab pos="9306560" algn="l"/>
+              </a:tabLst>
+            </a:pPr>
+            <a:r>
+              <a:rPr lang="en-US" sz="1400" spc="-40" dirty="0">
+                <a:solidFill>
+                  <a:srgbClr val="555555"/>
+                </a:solidFill>
+                <a:effectLst/>
+                <a:latin typeface="Courier New" panose="02070309020205020404" pitchFamily="49" charset="0"/>
+                <a:ea typeface="Times New Roman" panose="02020603050405020304" pitchFamily="18" charset="0"/>
+              </a:rPr>
+              <a:t>        ... };</a:t>
+            </a:r>
+            <a:endParaRPr lang="en-US" sz="1400" dirty="0">
+              <a:effectLst/>
+              <a:latin typeface="Times New Roman" panose="02020603050405020304" pitchFamily="18" charset="0"/>
+              <a:ea typeface="Times New Roman" panose="02020603050405020304" pitchFamily="18" charset="0"/>
+            </a:endParaRPr>
+          </a:p>
+          <a:p>
+            <a:pPr fontAlgn="base" latinLnBrk="1">
+              <a:tabLst>
+                <a:tab pos="581660" algn="l"/>
+                <a:tab pos="1163320" algn="l"/>
+                <a:tab pos="1744980" algn="l"/>
+                <a:tab pos="2326640" algn="l"/>
+                <a:tab pos="2908300" algn="l"/>
+                <a:tab pos="3489960" algn="l"/>
+                <a:tab pos="4071620" algn="l"/>
+                <a:tab pos="4653280" algn="l"/>
+                <a:tab pos="5234940" algn="l"/>
+                <a:tab pos="5816600" algn="l"/>
+                <a:tab pos="6398260" algn="l"/>
+                <a:tab pos="6979920" algn="l"/>
+                <a:tab pos="7561580" algn="l"/>
+                <a:tab pos="8143240" algn="l"/>
+                <a:tab pos="8724900" algn="l"/>
+                <a:tab pos="9306560" algn="l"/>
+              </a:tabLst>
+            </a:pPr>
+            <a:r>
+              <a:rPr lang="en-US" sz="1400" spc="-40" dirty="0">
+                <a:solidFill>
+                  <a:srgbClr val="555555"/>
+                </a:solidFill>
+                <a:effectLst/>
+                <a:latin typeface="Courier New" panose="02070309020205020404" pitchFamily="49" charset="0"/>
+                <a:ea typeface="Times New Roman" panose="02020603050405020304" pitchFamily="18" charset="0"/>
+              </a:rPr>
+              <a:t> </a:t>
+            </a:r>
+            <a:endParaRPr lang="en-US" sz="1400" dirty="0">
+              <a:effectLst/>
+              <a:latin typeface="Times New Roman" panose="02020603050405020304" pitchFamily="18" charset="0"/>
+              <a:ea typeface="Times New Roman" panose="02020603050405020304" pitchFamily="18" charset="0"/>
+            </a:endParaRPr>
+          </a:p>
+          <a:p>
+            <a:pPr fontAlgn="base" latinLnBrk="1">
+              <a:tabLst>
+                <a:tab pos="581660" algn="l"/>
+                <a:tab pos="1163320" algn="l"/>
+                <a:tab pos="1744980" algn="l"/>
+                <a:tab pos="2326640" algn="l"/>
+                <a:tab pos="2908300" algn="l"/>
+                <a:tab pos="3489960" algn="l"/>
+                <a:tab pos="4071620" algn="l"/>
+                <a:tab pos="4653280" algn="l"/>
+                <a:tab pos="5234940" algn="l"/>
+                <a:tab pos="5816600" algn="l"/>
+                <a:tab pos="6398260" algn="l"/>
+                <a:tab pos="6979920" algn="l"/>
+                <a:tab pos="7561580" algn="l"/>
+                <a:tab pos="8143240" algn="l"/>
+                <a:tab pos="8724900" algn="l"/>
+                <a:tab pos="9306560" algn="l"/>
+              </a:tabLst>
+            </a:pPr>
+            <a:r>
+              <a:rPr lang="en-US" sz="1400" spc="-40" dirty="0" err="1">
+                <a:solidFill>
+                  <a:srgbClr val="555555"/>
+                </a:solidFill>
+                <a:effectLst/>
+                <a:latin typeface="Courier New" panose="02070309020205020404" pitchFamily="49" charset="0"/>
+                <a:ea typeface="Times New Roman" panose="02020603050405020304" pitchFamily="18" charset="0"/>
+              </a:rPr>
+              <a:t>cqlsh:demo</a:t>
+            </a:r>
+            <a:r>
+              <a:rPr lang="en-US" sz="1400" spc="-40" dirty="0">
+                <a:solidFill>
+                  <a:srgbClr val="555555"/>
+                </a:solidFill>
+                <a:effectLst/>
+                <a:latin typeface="Courier New" panose="02070309020205020404" pitchFamily="49" charset="0"/>
+                <a:ea typeface="Times New Roman" panose="02020603050405020304" pitchFamily="18" charset="0"/>
+              </a:rPr>
+              <a:t>&gt; CREATE CUSTOM INDEX ON </a:t>
+            </a:r>
+            <a:r>
+              <a:rPr lang="en-US" sz="1400" spc="-40" dirty="0" err="1">
+                <a:solidFill>
+                  <a:srgbClr val="555555"/>
+                </a:solidFill>
+                <a:effectLst/>
+                <a:latin typeface="Courier New" panose="02070309020205020404" pitchFamily="49" charset="0"/>
+                <a:ea typeface="Times New Roman" panose="02020603050405020304" pitchFamily="18" charset="0"/>
+              </a:rPr>
+              <a:t>sasi</a:t>
+            </a:r>
+            <a:r>
+              <a:rPr lang="en-US" sz="1400" spc="-40" dirty="0">
+                <a:solidFill>
+                  <a:srgbClr val="555555"/>
+                </a:solidFill>
+                <a:effectLst/>
+                <a:latin typeface="Courier New" panose="02070309020205020404" pitchFamily="49" charset="0"/>
+                <a:ea typeface="Times New Roman" panose="02020603050405020304" pitchFamily="18" charset="0"/>
+              </a:rPr>
+              <a:t> (</a:t>
+            </a:r>
+            <a:r>
+              <a:rPr lang="en-US" sz="1400" spc="-40" dirty="0" err="1">
+                <a:solidFill>
+                  <a:srgbClr val="555555"/>
+                </a:solidFill>
+                <a:effectLst/>
+                <a:latin typeface="Courier New" panose="02070309020205020404" pitchFamily="49" charset="0"/>
+                <a:ea typeface="Times New Roman" panose="02020603050405020304" pitchFamily="18" charset="0"/>
+              </a:rPr>
+              <a:t>last_name</a:t>
+            </a:r>
+            <a:r>
+              <a:rPr lang="en-US" sz="1400" spc="-40" dirty="0">
+                <a:solidFill>
+                  <a:srgbClr val="555555"/>
+                </a:solidFill>
+                <a:effectLst/>
+                <a:latin typeface="Courier New" panose="02070309020205020404" pitchFamily="49" charset="0"/>
+                <a:ea typeface="Times New Roman" panose="02020603050405020304" pitchFamily="18" charset="0"/>
+              </a:rPr>
+              <a:t>) USING '</a:t>
+            </a:r>
+            <a:r>
+              <a:rPr lang="en-US" sz="1400" spc="-40" dirty="0" err="1">
+                <a:solidFill>
+                  <a:srgbClr val="555555"/>
+                </a:solidFill>
+                <a:effectLst/>
+                <a:latin typeface="Courier New" panose="02070309020205020404" pitchFamily="49" charset="0"/>
+                <a:ea typeface="Times New Roman" panose="02020603050405020304" pitchFamily="18" charset="0"/>
+              </a:rPr>
+              <a:t>org.apache.cassandra.index.sasi.SASIIndex</a:t>
+            </a:r>
+            <a:r>
+              <a:rPr lang="en-US" sz="1400" spc="-40" dirty="0">
+                <a:solidFill>
+                  <a:srgbClr val="555555"/>
+                </a:solidFill>
+                <a:effectLst/>
+                <a:latin typeface="Courier New" panose="02070309020205020404" pitchFamily="49" charset="0"/>
+                <a:ea typeface="Times New Roman" panose="02020603050405020304" pitchFamily="18" charset="0"/>
+              </a:rPr>
+              <a:t>'</a:t>
+            </a:r>
+            <a:endParaRPr lang="en-US" sz="1400" dirty="0">
+              <a:effectLst/>
+              <a:latin typeface="Times New Roman" panose="02020603050405020304" pitchFamily="18" charset="0"/>
+              <a:ea typeface="Times New Roman" panose="02020603050405020304" pitchFamily="18" charset="0"/>
+            </a:endParaRPr>
+          </a:p>
+          <a:p>
+            <a:pPr fontAlgn="base" latinLnBrk="1">
+              <a:tabLst>
+                <a:tab pos="581660" algn="l"/>
+                <a:tab pos="1163320" algn="l"/>
+                <a:tab pos="1744980" algn="l"/>
+                <a:tab pos="2326640" algn="l"/>
+                <a:tab pos="2908300" algn="l"/>
+                <a:tab pos="3489960" algn="l"/>
+                <a:tab pos="4071620" algn="l"/>
+                <a:tab pos="4653280" algn="l"/>
+                <a:tab pos="5234940" algn="l"/>
+                <a:tab pos="5816600" algn="l"/>
+                <a:tab pos="6398260" algn="l"/>
+                <a:tab pos="6979920" algn="l"/>
+                <a:tab pos="7561580" algn="l"/>
+                <a:tab pos="8143240" algn="l"/>
+                <a:tab pos="8724900" algn="l"/>
+                <a:tab pos="9306560" algn="l"/>
+              </a:tabLst>
+            </a:pPr>
+            <a:r>
+              <a:rPr lang="en-US" sz="1400" spc="-40" dirty="0">
+                <a:solidFill>
+                  <a:srgbClr val="555555"/>
+                </a:solidFill>
+                <a:effectLst/>
+                <a:latin typeface="Courier New" panose="02070309020205020404" pitchFamily="49" charset="0"/>
+                <a:ea typeface="Times New Roman" panose="02020603050405020304" pitchFamily="18" charset="0"/>
+              </a:rPr>
+              <a:t>        ... WITH OPTIONS = {'mode': 'CONTAINS'};</a:t>
+            </a:r>
+            <a:endParaRPr lang="en-US" sz="1400" dirty="0">
+              <a:effectLst/>
+              <a:latin typeface="Times New Roman" panose="02020603050405020304" pitchFamily="18" charset="0"/>
+              <a:ea typeface="Times New Roman" panose="02020603050405020304" pitchFamily="18" charset="0"/>
+            </a:endParaRPr>
+          </a:p>
+          <a:p>
+            <a:pPr fontAlgn="base" latinLnBrk="1">
+              <a:tabLst>
+                <a:tab pos="581660" algn="l"/>
+                <a:tab pos="1163320" algn="l"/>
+                <a:tab pos="1744980" algn="l"/>
+                <a:tab pos="2326640" algn="l"/>
+                <a:tab pos="2908300" algn="l"/>
+                <a:tab pos="3489960" algn="l"/>
+                <a:tab pos="4071620" algn="l"/>
+                <a:tab pos="4653280" algn="l"/>
+                <a:tab pos="5234940" algn="l"/>
+                <a:tab pos="5816600" algn="l"/>
+                <a:tab pos="6398260" algn="l"/>
+                <a:tab pos="6979920" algn="l"/>
+                <a:tab pos="7561580" algn="l"/>
+                <a:tab pos="8143240" algn="l"/>
+                <a:tab pos="8724900" algn="l"/>
+                <a:tab pos="9306560" algn="l"/>
+              </a:tabLst>
+            </a:pPr>
+            <a:r>
+              <a:rPr lang="en-US" sz="1400" spc="-40" dirty="0">
+                <a:solidFill>
+                  <a:srgbClr val="555555"/>
+                </a:solidFill>
+                <a:effectLst/>
+                <a:latin typeface="Courier New" panose="02070309020205020404" pitchFamily="49" charset="0"/>
+                <a:ea typeface="Times New Roman" panose="02020603050405020304" pitchFamily="18" charset="0"/>
+              </a:rPr>
+              <a:t> </a:t>
+            </a:r>
+            <a:endParaRPr lang="en-US" sz="1400" dirty="0">
+              <a:effectLst/>
+              <a:latin typeface="Times New Roman" panose="02020603050405020304" pitchFamily="18" charset="0"/>
+              <a:ea typeface="Times New Roman" panose="02020603050405020304" pitchFamily="18" charset="0"/>
+            </a:endParaRPr>
+          </a:p>
+          <a:p>
+            <a:pPr fontAlgn="base" latinLnBrk="1">
+              <a:tabLst>
+                <a:tab pos="581660" algn="l"/>
+                <a:tab pos="1163320" algn="l"/>
+                <a:tab pos="1744980" algn="l"/>
+                <a:tab pos="2326640" algn="l"/>
+                <a:tab pos="2908300" algn="l"/>
+                <a:tab pos="3489960" algn="l"/>
+                <a:tab pos="4071620" algn="l"/>
+                <a:tab pos="4653280" algn="l"/>
+                <a:tab pos="5234940" algn="l"/>
+                <a:tab pos="5816600" algn="l"/>
+                <a:tab pos="6398260" algn="l"/>
+                <a:tab pos="6979920" algn="l"/>
+                <a:tab pos="7561580" algn="l"/>
+                <a:tab pos="8143240" algn="l"/>
+                <a:tab pos="8724900" algn="l"/>
+                <a:tab pos="9306560" algn="l"/>
+              </a:tabLst>
+            </a:pPr>
+            <a:r>
+              <a:rPr lang="en-US" sz="1400" spc="-40" dirty="0" err="1">
+                <a:solidFill>
+                  <a:srgbClr val="555555"/>
+                </a:solidFill>
+                <a:effectLst/>
+                <a:latin typeface="Courier New" panose="02070309020205020404" pitchFamily="49" charset="0"/>
+                <a:ea typeface="Times New Roman" panose="02020603050405020304" pitchFamily="18" charset="0"/>
+              </a:rPr>
+              <a:t>cqlsh:demo</a:t>
+            </a:r>
+            <a:r>
+              <a:rPr lang="en-US" sz="1400" spc="-40" dirty="0">
+                <a:solidFill>
+                  <a:srgbClr val="555555"/>
+                </a:solidFill>
+                <a:effectLst/>
+                <a:latin typeface="Courier New" panose="02070309020205020404" pitchFamily="49" charset="0"/>
+                <a:ea typeface="Times New Roman" panose="02020603050405020304" pitchFamily="18" charset="0"/>
+              </a:rPr>
+              <a:t>&gt; CREATE CUSTOM INDEX ON </a:t>
+            </a:r>
+            <a:r>
+              <a:rPr lang="en-US" sz="1400" spc="-40" dirty="0" err="1">
+                <a:solidFill>
+                  <a:srgbClr val="555555"/>
+                </a:solidFill>
+                <a:effectLst/>
+                <a:latin typeface="Courier New" panose="02070309020205020404" pitchFamily="49" charset="0"/>
+                <a:ea typeface="Times New Roman" panose="02020603050405020304" pitchFamily="18" charset="0"/>
+              </a:rPr>
+              <a:t>sasi</a:t>
+            </a:r>
+            <a:r>
+              <a:rPr lang="en-US" sz="1400" spc="-40" dirty="0">
+                <a:solidFill>
+                  <a:srgbClr val="555555"/>
+                </a:solidFill>
+                <a:effectLst/>
+                <a:latin typeface="Courier New" panose="02070309020205020404" pitchFamily="49" charset="0"/>
+                <a:ea typeface="Times New Roman" panose="02020603050405020304" pitchFamily="18" charset="0"/>
+              </a:rPr>
+              <a:t> (age) USING '</a:t>
+            </a:r>
+            <a:r>
+              <a:rPr lang="en-US" sz="1400" spc="-40" dirty="0" err="1">
+                <a:solidFill>
+                  <a:srgbClr val="555555"/>
+                </a:solidFill>
+                <a:effectLst/>
+                <a:latin typeface="Courier New" panose="02070309020205020404" pitchFamily="49" charset="0"/>
+                <a:ea typeface="Times New Roman" panose="02020603050405020304" pitchFamily="18" charset="0"/>
+              </a:rPr>
+              <a:t>org.apache.cassandra.index.sasi.SASIIndex</a:t>
+            </a:r>
+            <a:r>
+              <a:rPr lang="en-US" sz="1400" spc="-40" dirty="0">
+                <a:solidFill>
+                  <a:srgbClr val="555555"/>
+                </a:solidFill>
+                <a:effectLst/>
+                <a:latin typeface="Courier New" panose="02070309020205020404" pitchFamily="49" charset="0"/>
+                <a:ea typeface="Times New Roman" panose="02020603050405020304" pitchFamily="18" charset="0"/>
+              </a:rPr>
+              <a:t>';</a:t>
+            </a:r>
+            <a:endParaRPr lang="en-US" sz="1400" dirty="0">
+              <a:effectLst/>
+              <a:latin typeface="Times New Roman" panose="02020603050405020304" pitchFamily="18" charset="0"/>
+              <a:ea typeface="Times New Roman" panose="02020603050405020304" pitchFamily="18" charset="0"/>
+            </a:endParaRPr>
+          </a:p>
+          <a:p>
+            <a:pPr fontAlgn="base" latinLnBrk="1">
+              <a:tabLst>
+                <a:tab pos="581660" algn="l"/>
+                <a:tab pos="1163320" algn="l"/>
+                <a:tab pos="1744980" algn="l"/>
+                <a:tab pos="2326640" algn="l"/>
+                <a:tab pos="2908300" algn="l"/>
+                <a:tab pos="3489960" algn="l"/>
+                <a:tab pos="4071620" algn="l"/>
+                <a:tab pos="4653280" algn="l"/>
+                <a:tab pos="5234940" algn="l"/>
+                <a:tab pos="5816600" algn="l"/>
+                <a:tab pos="6398260" algn="l"/>
+                <a:tab pos="6979920" algn="l"/>
+                <a:tab pos="7561580" algn="l"/>
+                <a:tab pos="8143240" algn="l"/>
+                <a:tab pos="8724900" algn="l"/>
+                <a:tab pos="9306560" algn="l"/>
+              </a:tabLst>
+            </a:pPr>
+            <a:r>
+              <a:rPr lang="en-US" sz="1400" spc="-40" dirty="0">
+                <a:solidFill>
+                  <a:srgbClr val="555555"/>
+                </a:solidFill>
+                <a:effectLst/>
+                <a:latin typeface="Courier New" panose="02070309020205020404" pitchFamily="49" charset="0"/>
+                <a:ea typeface="Times New Roman" panose="02020603050405020304" pitchFamily="18" charset="0"/>
+              </a:rPr>
+              <a:t> </a:t>
+            </a:r>
+            <a:endParaRPr lang="en-US" sz="1400" dirty="0">
+              <a:effectLst/>
+              <a:latin typeface="Times New Roman" panose="02020603050405020304" pitchFamily="18" charset="0"/>
+              <a:ea typeface="Times New Roman" panose="02020603050405020304" pitchFamily="18" charset="0"/>
+            </a:endParaRPr>
+          </a:p>
+          <a:p>
+            <a:pPr fontAlgn="base" latinLnBrk="1">
+              <a:tabLst>
+                <a:tab pos="581660" algn="l"/>
+                <a:tab pos="1163320" algn="l"/>
+                <a:tab pos="1744980" algn="l"/>
+                <a:tab pos="2326640" algn="l"/>
+                <a:tab pos="2908300" algn="l"/>
+                <a:tab pos="3489960" algn="l"/>
+                <a:tab pos="4071620" algn="l"/>
+                <a:tab pos="4653280" algn="l"/>
+                <a:tab pos="5234940" algn="l"/>
+                <a:tab pos="5816600" algn="l"/>
+                <a:tab pos="6398260" algn="l"/>
+                <a:tab pos="6979920" algn="l"/>
+                <a:tab pos="7561580" algn="l"/>
+                <a:tab pos="8143240" algn="l"/>
+                <a:tab pos="8724900" algn="l"/>
+                <a:tab pos="9306560" algn="l"/>
+              </a:tabLst>
+            </a:pPr>
+            <a:r>
+              <a:rPr lang="en-US" sz="1400" spc="-40" dirty="0" err="1">
+                <a:solidFill>
+                  <a:srgbClr val="555555"/>
+                </a:solidFill>
+                <a:effectLst/>
+                <a:latin typeface="Courier New" panose="02070309020205020404" pitchFamily="49" charset="0"/>
+                <a:ea typeface="Times New Roman" panose="02020603050405020304" pitchFamily="18" charset="0"/>
+              </a:rPr>
+              <a:t>cqlsh:demo</a:t>
+            </a:r>
+            <a:r>
+              <a:rPr lang="en-US" sz="1400" spc="-40" dirty="0">
+                <a:solidFill>
+                  <a:srgbClr val="555555"/>
+                </a:solidFill>
+                <a:effectLst/>
+                <a:latin typeface="Courier New" panose="02070309020205020404" pitchFamily="49" charset="0"/>
+                <a:ea typeface="Times New Roman" panose="02020603050405020304" pitchFamily="18" charset="0"/>
+              </a:rPr>
+              <a:t>&gt; CREATE CUSTOM INDEX ON </a:t>
+            </a:r>
+            <a:r>
+              <a:rPr lang="en-US" sz="1400" spc="-40" dirty="0" err="1">
+                <a:solidFill>
+                  <a:srgbClr val="555555"/>
+                </a:solidFill>
+                <a:effectLst/>
+                <a:latin typeface="Courier New" panose="02070309020205020404" pitchFamily="49" charset="0"/>
+                <a:ea typeface="Times New Roman" panose="02020603050405020304" pitchFamily="18" charset="0"/>
+              </a:rPr>
+              <a:t>sasi</a:t>
+            </a:r>
+            <a:r>
+              <a:rPr lang="en-US" sz="1400" spc="-40" dirty="0">
+                <a:solidFill>
+                  <a:srgbClr val="555555"/>
+                </a:solidFill>
+                <a:effectLst/>
+                <a:latin typeface="Courier New" panose="02070309020205020404" pitchFamily="49" charset="0"/>
+                <a:ea typeface="Times New Roman" panose="02020603050405020304" pitchFamily="18" charset="0"/>
+              </a:rPr>
+              <a:t> (</a:t>
+            </a:r>
+            <a:r>
+              <a:rPr lang="en-US" sz="1400" spc="-40" dirty="0" err="1">
+                <a:solidFill>
+                  <a:srgbClr val="555555"/>
+                </a:solidFill>
+                <a:effectLst/>
+                <a:latin typeface="Courier New" panose="02070309020205020404" pitchFamily="49" charset="0"/>
+                <a:ea typeface="Times New Roman" panose="02020603050405020304" pitchFamily="18" charset="0"/>
+              </a:rPr>
+              <a:t>created_at</a:t>
+            </a:r>
+            <a:r>
+              <a:rPr lang="en-US" sz="1400" spc="-40" dirty="0">
+                <a:solidFill>
+                  <a:srgbClr val="555555"/>
+                </a:solidFill>
+                <a:effectLst/>
+                <a:latin typeface="Courier New" panose="02070309020205020404" pitchFamily="49" charset="0"/>
+                <a:ea typeface="Times New Roman" panose="02020603050405020304" pitchFamily="18" charset="0"/>
+              </a:rPr>
+              <a:t>) USING '</a:t>
+            </a:r>
+            <a:r>
+              <a:rPr lang="en-US" sz="1400" spc="-40" dirty="0" err="1">
+                <a:solidFill>
+                  <a:srgbClr val="555555"/>
+                </a:solidFill>
+                <a:effectLst/>
+                <a:latin typeface="Courier New" panose="02070309020205020404" pitchFamily="49" charset="0"/>
+                <a:ea typeface="Times New Roman" panose="02020603050405020304" pitchFamily="18" charset="0"/>
+              </a:rPr>
+              <a:t>org.apache.cassandra.index.sasi.SASIIndex</a:t>
+            </a:r>
+            <a:r>
+              <a:rPr lang="en-US" sz="1400" spc="-40" dirty="0">
+                <a:solidFill>
+                  <a:srgbClr val="555555"/>
+                </a:solidFill>
+                <a:effectLst/>
+                <a:latin typeface="Courier New" panose="02070309020205020404" pitchFamily="49" charset="0"/>
+                <a:ea typeface="Times New Roman" panose="02020603050405020304" pitchFamily="18" charset="0"/>
+              </a:rPr>
+              <a:t>'</a:t>
+            </a:r>
+            <a:endParaRPr lang="en-US" sz="1400" dirty="0">
+              <a:effectLst/>
+              <a:latin typeface="Times New Roman" panose="02020603050405020304" pitchFamily="18" charset="0"/>
+              <a:ea typeface="Times New Roman" panose="02020603050405020304" pitchFamily="18" charset="0"/>
+            </a:endParaRPr>
+          </a:p>
+          <a:p>
+            <a:r>
+              <a:rPr lang="en-US" sz="1400" spc="-40" dirty="0">
+                <a:solidFill>
+                  <a:srgbClr val="555555"/>
+                </a:solidFill>
+                <a:effectLst/>
+                <a:latin typeface="Courier New" panose="02070309020205020404" pitchFamily="49" charset="0"/>
+                <a:ea typeface="Times New Roman" panose="02020603050405020304" pitchFamily="18" charset="0"/>
+              </a:rPr>
+              <a:t>        ...  WITH OPTIONS = {'mode': 'SPARSE'};</a:t>
+            </a:r>
+            <a:endParaRPr lang="en-US" sz="1400" dirty="0"/>
+          </a:p>
+        </p:txBody>
+      </p:sp>
+    </p:spTree>
+    <p:extLst>
+      <p:ext uri="{BB962C8B-B14F-4D97-AF65-F5344CB8AC3E}">
+        <p14:creationId xmlns:p14="http://schemas.microsoft.com/office/powerpoint/2010/main" val="1678256377"/>
+      </p:ext>
+    </p:extLst>
+  </p:cSld>
+  <p:clrMapOvr>
+    <a:masterClrMapping/>
+  </p:clrMapOvr>
+</p:sld>
+</file>
+
+<file path=ppt/slides/slide17.xml><?xml version="1.0" encoding="utf-8"?>
+<p:sld xmlns:a="http://schemas.openxmlformats.org/drawingml/2006/main" xmlns:r="http://schemas.openxmlformats.org/officeDocument/2006/relationships" xmlns:p="http://schemas.openxmlformats.org/presentationml/2006/main">
+  <p:cSld>
+    <p:spTree>
+      <p:nvGrpSpPr>
+        <p:cNvPr id="1" name=""/>
+        <p:cNvGrpSpPr/>
+        <p:nvPr/>
+      </p:nvGrpSpPr>
+      <p:grpSpPr>
+        <a:xfrm>
+          <a:off x="0" y="0"/>
+          <a:ext cx="0" cy="0"/>
+          <a:chOff x="0" y="0"/>
+          <a:chExt cx="0" cy="0"/>
+        </a:xfrm>
+      </p:grpSpPr>
+      <p:sp>
+        <p:nvSpPr>
+          <p:cNvPr id="2" name="Title 1">
+            <a:extLst>
+              <a:ext uri="{FF2B5EF4-FFF2-40B4-BE49-F238E27FC236}">
+                <a16:creationId xmlns:a16="http://schemas.microsoft.com/office/drawing/2014/main" id="{187610F3-ED6F-4AAB-BE5C-5F5CB607DA84}"/>
+              </a:ext>
+            </a:extLst>
+          </p:cNvPr>
+          <p:cNvSpPr>
+            <a:spLocks noGrp="1"/>
+          </p:cNvSpPr>
+          <p:nvPr>
+            <p:ph type="title"/>
+          </p:nvPr>
+        </p:nvSpPr>
+        <p:spPr/>
+        <p:txBody>
+          <a:bodyPr/>
+          <a:lstStyle/>
+          <a:p>
+            <a:r>
+              <a:rPr lang="sr-Latn-RS" b="1" dirty="0">
+                <a:latin typeface="Times New Roman" panose="02020603050405020304" pitchFamily="18" charset="0"/>
+                <a:cs typeface="Times New Roman" panose="02020603050405020304" pitchFamily="18" charset="0"/>
+              </a:rPr>
+              <a:t>SASI indeks</a:t>
+            </a:r>
+            <a:endParaRPr lang="en-US" b="1" dirty="0">
+              <a:latin typeface="Times New Roman" panose="02020603050405020304" pitchFamily="18" charset="0"/>
+              <a:cs typeface="Times New Roman" panose="02020603050405020304" pitchFamily="18" charset="0"/>
+            </a:endParaRPr>
+          </a:p>
+        </p:txBody>
+      </p:sp>
+      <p:sp>
+        <p:nvSpPr>
+          <p:cNvPr id="7" name="TextBox 6">
+            <a:extLst>
+              <a:ext uri="{FF2B5EF4-FFF2-40B4-BE49-F238E27FC236}">
+                <a16:creationId xmlns:a16="http://schemas.microsoft.com/office/drawing/2014/main" id="{000D9EAE-A895-4165-B7A0-0770FBD257AB}"/>
+              </a:ext>
+            </a:extLst>
+          </p:cNvPr>
+          <p:cNvSpPr txBox="1"/>
+          <p:nvPr/>
+        </p:nvSpPr>
+        <p:spPr>
+          <a:xfrm>
+            <a:off x="861461" y="1828562"/>
+            <a:ext cx="10469077" cy="1384995"/>
+          </a:xfrm>
+          <a:prstGeom prst="rect">
+            <a:avLst/>
+          </a:prstGeom>
+          <a:solidFill>
+            <a:schemeClr val="bg1"/>
+          </a:solidFill>
+        </p:spPr>
+        <p:txBody>
+          <a:bodyPr wrap="square">
+            <a:spAutoFit/>
+          </a:bodyPr>
+          <a:lstStyle/>
+          <a:p>
+            <a:pPr fontAlgn="base" latinLnBrk="1">
+              <a:tabLst>
+                <a:tab pos="581660" algn="l"/>
+                <a:tab pos="1163320" algn="l"/>
+                <a:tab pos="1744980" algn="l"/>
+                <a:tab pos="2326640" algn="l"/>
+                <a:tab pos="2908300" algn="l"/>
+                <a:tab pos="3489960" algn="l"/>
+                <a:tab pos="4071620" algn="l"/>
+                <a:tab pos="4653280" algn="l"/>
+                <a:tab pos="5234940" algn="l"/>
+                <a:tab pos="5816600" algn="l"/>
+                <a:tab pos="6398260" algn="l"/>
+                <a:tab pos="6979920" algn="l"/>
+                <a:tab pos="7561580" algn="l"/>
+                <a:tab pos="8143240" algn="l"/>
+                <a:tab pos="8724900" algn="l"/>
+                <a:tab pos="9306560" algn="l"/>
+              </a:tabLst>
+            </a:pPr>
+            <a:r>
+              <a:rPr lang="en-US" sz="1200" spc="-40" dirty="0" err="1">
+                <a:solidFill>
+                  <a:srgbClr val="555555"/>
+                </a:solidFill>
+                <a:effectLst/>
+                <a:latin typeface="Courier New" panose="02070309020205020404" pitchFamily="49" charset="0"/>
+                <a:ea typeface="Times New Roman" panose="02020603050405020304" pitchFamily="18" charset="0"/>
+              </a:rPr>
+              <a:t>cqlsh:demo</a:t>
+            </a:r>
+            <a:r>
+              <a:rPr lang="en-US" sz="1200" spc="-40" dirty="0">
+                <a:solidFill>
+                  <a:srgbClr val="555555"/>
+                </a:solidFill>
+                <a:effectLst/>
+                <a:latin typeface="Courier New" panose="02070309020205020404" pitchFamily="49" charset="0"/>
+                <a:ea typeface="Times New Roman" panose="02020603050405020304" pitchFamily="18" charset="0"/>
+              </a:rPr>
+              <a:t>&gt; SELECT </a:t>
+            </a:r>
+            <a:r>
+              <a:rPr lang="en-US" sz="1200" spc="-40" dirty="0" err="1">
+                <a:solidFill>
+                  <a:srgbClr val="555555"/>
+                </a:solidFill>
+                <a:effectLst/>
+                <a:latin typeface="Courier New" panose="02070309020205020404" pitchFamily="49" charset="0"/>
+                <a:ea typeface="Times New Roman" panose="02020603050405020304" pitchFamily="18" charset="0"/>
+              </a:rPr>
+              <a:t>first_name</a:t>
+            </a:r>
+            <a:r>
+              <a:rPr lang="en-US" sz="1200" spc="-40" dirty="0">
+                <a:solidFill>
+                  <a:srgbClr val="555555"/>
+                </a:solidFill>
+                <a:effectLst/>
+                <a:latin typeface="Courier New" panose="02070309020205020404" pitchFamily="49" charset="0"/>
+                <a:ea typeface="Times New Roman" panose="02020603050405020304" pitchFamily="18" charset="0"/>
+              </a:rPr>
+              <a:t>, </a:t>
+            </a:r>
+            <a:r>
+              <a:rPr lang="en-US" sz="1200" spc="-40" dirty="0" err="1">
+                <a:solidFill>
+                  <a:srgbClr val="555555"/>
+                </a:solidFill>
+                <a:effectLst/>
+                <a:latin typeface="Courier New" panose="02070309020205020404" pitchFamily="49" charset="0"/>
+                <a:ea typeface="Times New Roman" panose="02020603050405020304" pitchFamily="18" charset="0"/>
+              </a:rPr>
+              <a:t>last_name</a:t>
+            </a:r>
+            <a:r>
+              <a:rPr lang="en-US" sz="1200" spc="-40" dirty="0">
+                <a:solidFill>
+                  <a:srgbClr val="555555"/>
+                </a:solidFill>
+                <a:effectLst/>
+                <a:latin typeface="Courier New" panose="02070309020205020404" pitchFamily="49" charset="0"/>
+                <a:ea typeface="Times New Roman" panose="02020603050405020304" pitchFamily="18" charset="0"/>
+              </a:rPr>
+              <a:t>, age, height, </a:t>
+            </a:r>
+            <a:r>
+              <a:rPr lang="en-US" sz="1200" spc="-40" dirty="0" err="1">
+                <a:solidFill>
+                  <a:srgbClr val="555555"/>
+                </a:solidFill>
+                <a:effectLst/>
+                <a:latin typeface="Courier New" panose="02070309020205020404" pitchFamily="49" charset="0"/>
+                <a:ea typeface="Times New Roman" panose="02020603050405020304" pitchFamily="18" charset="0"/>
+              </a:rPr>
+              <a:t>created_at</a:t>
+            </a:r>
+            <a:r>
+              <a:rPr lang="en-US" sz="1200" spc="-40" dirty="0">
+                <a:solidFill>
+                  <a:srgbClr val="555555"/>
+                </a:solidFill>
+                <a:effectLst/>
+                <a:latin typeface="Courier New" panose="02070309020205020404" pitchFamily="49" charset="0"/>
+                <a:ea typeface="Times New Roman" panose="02020603050405020304" pitchFamily="18" charset="0"/>
+              </a:rPr>
+              <a:t> FROM </a:t>
+            </a:r>
+            <a:r>
+              <a:rPr lang="en-US" sz="1200" spc="-40" dirty="0" err="1">
+                <a:solidFill>
+                  <a:srgbClr val="555555"/>
+                </a:solidFill>
+                <a:effectLst/>
+                <a:latin typeface="Courier New" panose="02070309020205020404" pitchFamily="49" charset="0"/>
+                <a:ea typeface="Times New Roman" panose="02020603050405020304" pitchFamily="18" charset="0"/>
+              </a:rPr>
+              <a:t>sasi</a:t>
+            </a:r>
+            <a:endParaRPr lang="en-US" sz="1200" dirty="0">
+              <a:effectLst/>
+              <a:latin typeface="Times New Roman" panose="02020603050405020304" pitchFamily="18" charset="0"/>
+              <a:ea typeface="Times New Roman" panose="02020603050405020304" pitchFamily="18" charset="0"/>
+            </a:endParaRPr>
+          </a:p>
+          <a:p>
+            <a:pPr fontAlgn="base" latinLnBrk="1">
+              <a:tabLst>
+                <a:tab pos="581660" algn="l"/>
+                <a:tab pos="1163320" algn="l"/>
+                <a:tab pos="1744980" algn="l"/>
+                <a:tab pos="2326640" algn="l"/>
+                <a:tab pos="2908300" algn="l"/>
+                <a:tab pos="3489960" algn="l"/>
+                <a:tab pos="4071620" algn="l"/>
+                <a:tab pos="4653280" algn="l"/>
+                <a:tab pos="5234940" algn="l"/>
+                <a:tab pos="5816600" algn="l"/>
+                <a:tab pos="6398260" algn="l"/>
+                <a:tab pos="6979920" algn="l"/>
+                <a:tab pos="7561580" algn="l"/>
+                <a:tab pos="8143240" algn="l"/>
+                <a:tab pos="8724900" algn="l"/>
+                <a:tab pos="9306560" algn="l"/>
+              </a:tabLst>
+            </a:pPr>
+            <a:r>
+              <a:rPr lang="en-US" sz="1200" spc="-40" dirty="0">
+                <a:solidFill>
+                  <a:srgbClr val="555555"/>
+                </a:solidFill>
+                <a:effectLst/>
+                <a:latin typeface="Courier New" panose="02070309020205020404" pitchFamily="49" charset="0"/>
+                <a:ea typeface="Times New Roman" panose="02020603050405020304" pitchFamily="18" charset="0"/>
+              </a:rPr>
+              <a:t>        ... WHERE </a:t>
+            </a:r>
+            <a:r>
+              <a:rPr lang="en-US" sz="1200" spc="-40" dirty="0" err="1">
+                <a:solidFill>
+                  <a:srgbClr val="555555"/>
+                </a:solidFill>
+                <a:effectLst/>
+                <a:latin typeface="Courier New" panose="02070309020205020404" pitchFamily="49" charset="0"/>
+                <a:ea typeface="Times New Roman" panose="02020603050405020304" pitchFamily="18" charset="0"/>
+              </a:rPr>
+              <a:t>first_name</a:t>
+            </a:r>
+            <a:r>
+              <a:rPr lang="en-US" sz="1200" spc="-40" dirty="0">
+                <a:solidFill>
+                  <a:srgbClr val="555555"/>
+                </a:solidFill>
+                <a:effectLst/>
+                <a:latin typeface="Courier New" panose="02070309020205020404" pitchFamily="49" charset="0"/>
+                <a:ea typeface="Times New Roman" panose="02020603050405020304" pitchFamily="18" charset="0"/>
+              </a:rPr>
+              <a:t> LIKE 'M%';</a:t>
+            </a:r>
+            <a:endParaRPr lang="en-US" sz="1200" dirty="0">
+              <a:effectLst/>
+              <a:latin typeface="Times New Roman" panose="02020603050405020304" pitchFamily="18" charset="0"/>
+              <a:ea typeface="Times New Roman" panose="02020603050405020304" pitchFamily="18" charset="0"/>
+            </a:endParaRPr>
+          </a:p>
+          <a:p>
+            <a:pPr fontAlgn="base" latinLnBrk="1">
+              <a:tabLst>
+                <a:tab pos="581660" algn="l"/>
+                <a:tab pos="1163320" algn="l"/>
+                <a:tab pos="1744980" algn="l"/>
+                <a:tab pos="2326640" algn="l"/>
+                <a:tab pos="2908300" algn="l"/>
+                <a:tab pos="3489960" algn="l"/>
+                <a:tab pos="4071620" algn="l"/>
+                <a:tab pos="4653280" algn="l"/>
+                <a:tab pos="5234940" algn="l"/>
+                <a:tab pos="5816600" algn="l"/>
+                <a:tab pos="6398260" algn="l"/>
+                <a:tab pos="6979920" algn="l"/>
+                <a:tab pos="7561580" algn="l"/>
+                <a:tab pos="8143240" algn="l"/>
+                <a:tab pos="8724900" algn="l"/>
+                <a:tab pos="9306560" algn="l"/>
+              </a:tabLst>
+            </a:pPr>
+            <a:r>
+              <a:rPr lang="en-US" sz="1200" spc="-40" dirty="0">
+                <a:solidFill>
+                  <a:srgbClr val="555555"/>
+                </a:solidFill>
+                <a:effectLst/>
+                <a:latin typeface="Courier New" panose="02070309020205020404" pitchFamily="49" charset="0"/>
+                <a:ea typeface="Times New Roman" panose="02020603050405020304" pitchFamily="18" charset="0"/>
+              </a:rPr>
+              <a:t> </a:t>
+            </a:r>
+            <a:endParaRPr lang="en-US" sz="1200" dirty="0">
+              <a:effectLst/>
+              <a:latin typeface="Times New Roman" panose="02020603050405020304" pitchFamily="18" charset="0"/>
+              <a:ea typeface="Times New Roman" panose="02020603050405020304" pitchFamily="18" charset="0"/>
+            </a:endParaRPr>
+          </a:p>
+          <a:p>
+            <a:pPr fontAlgn="base" latinLnBrk="1">
+              <a:tabLst>
+                <a:tab pos="581660" algn="l"/>
+                <a:tab pos="1163320" algn="l"/>
+                <a:tab pos="1744980" algn="l"/>
+                <a:tab pos="2326640" algn="l"/>
+                <a:tab pos="2908300" algn="l"/>
+                <a:tab pos="3489960" algn="l"/>
+                <a:tab pos="4071620" algn="l"/>
+                <a:tab pos="4653280" algn="l"/>
+                <a:tab pos="5234940" algn="l"/>
+                <a:tab pos="5816600" algn="l"/>
+                <a:tab pos="6398260" algn="l"/>
+                <a:tab pos="6979920" algn="l"/>
+                <a:tab pos="7561580" algn="l"/>
+                <a:tab pos="8143240" algn="l"/>
+                <a:tab pos="8724900" algn="l"/>
+                <a:tab pos="9306560" algn="l"/>
+              </a:tabLst>
+            </a:pPr>
+            <a:r>
+              <a:rPr lang="en-US" sz="1200" spc="-40" dirty="0">
+                <a:solidFill>
+                  <a:srgbClr val="555555"/>
+                </a:solidFill>
+                <a:effectLst/>
+                <a:latin typeface="Courier New" panose="02070309020205020404" pitchFamily="49" charset="0"/>
+                <a:ea typeface="Times New Roman" panose="02020603050405020304" pitchFamily="18" charset="0"/>
+              </a:rPr>
+              <a:t> </a:t>
+            </a:r>
+            <a:r>
+              <a:rPr lang="en-US" sz="1200" spc="-40" dirty="0" err="1">
+                <a:solidFill>
+                  <a:srgbClr val="555555"/>
+                </a:solidFill>
+                <a:effectLst/>
+                <a:latin typeface="Courier New" panose="02070309020205020404" pitchFamily="49" charset="0"/>
+                <a:ea typeface="Times New Roman" panose="02020603050405020304" pitchFamily="18" charset="0"/>
+              </a:rPr>
+              <a:t>first_name</a:t>
+            </a:r>
+            <a:r>
+              <a:rPr lang="en-US" sz="1200" spc="-40" dirty="0">
+                <a:solidFill>
+                  <a:srgbClr val="555555"/>
+                </a:solidFill>
+                <a:effectLst/>
+                <a:latin typeface="Courier New" panose="02070309020205020404" pitchFamily="49" charset="0"/>
+                <a:ea typeface="Times New Roman" panose="02020603050405020304" pitchFamily="18" charset="0"/>
+              </a:rPr>
+              <a:t> | </a:t>
+            </a:r>
+            <a:r>
+              <a:rPr lang="en-US" sz="1200" spc="-40" dirty="0" err="1">
+                <a:solidFill>
+                  <a:srgbClr val="555555"/>
+                </a:solidFill>
+                <a:effectLst/>
+                <a:latin typeface="Courier New" panose="02070309020205020404" pitchFamily="49" charset="0"/>
+                <a:ea typeface="Times New Roman" panose="02020603050405020304" pitchFamily="18" charset="0"/>
+              </a:rPr>
+              <a:t>last_name</a:t>
+            </a:r>
+            <a:r>
+              <a:rPr lang="en-US" sz="1200" spc="-40" dirty="0">
+                <a:solidFill>
+                  <a:srgbClr val="555555"/>
+                </a:solidFill>
+                <a:effectLst/>
+                <a:latin typeface="Courier New" panose="02070309020205020404" pitchFamily="49" charset="0"/>
+                <a:ea typeface="Times New Roman" panose="02020603050405020304" pitchFamily="18" charset="0"/>
+              </a:rPr>
+              <a:t> | age | height | </a:t>
+            </a:r>
+            <a:r>
+              <a:rPr lang="en-US" sz="1200" spc="-40" dirty="0" err="1">
+                <a:solidFill>
+                  <a:srgbClr val="555555"/>
+                </a:solidFill>
+                <a:effectLst/>
+                <a:latin typeface="Courier New" panose="02070309020205020404" pitchFamily="49" charset="0"/>
+                <a:ea typeface="Times New Roman" panose="02020603050405020304" pitchFamily="18" charset="0"/>
+              </a:rPr>
+              <a:t>created_at</a:t>
+            </a:r>
+            <a:endParaRPr lang="en-US" sz="1200" dirty="0">
+              <a:effectLst/>
+              <a:latin typeface="Times New Roman" panose="02020603050405020304" pitchFamily="18" charset="0"/>
+              <a:ea typeface="Times New Roman" panose="02020603050405020304" pitchFamily="18" charset="0"/>
+            </a:endParaRPr>
+          </a:p>
+          <a:p>
+            <a:pPr fontAlgn="base" latinLnBrk="1">
+              <a:tabLst>
+                <a:tab pos="581660" algn="l"/>
+                <a:tab pos="1163320" algn="l"/>
+                <a:tab pos="1744980" algn="l"/>
+                <a:tab pos="2326640" algn="l"/>
+                <a:tab pos="2908300" algn="l"/>
+                <a:tab pos="3489960" algn="l"/>
+                <a:tab pos="4071620" algn="l"/>
+                <a:tab pos="4653280" algn="l"/>
+                <a:tab pos="5234940" algn="l"/>
+                <a:tab pos="5816600" algn="l"/>
+                <a:tab pos="6398260" algn="l"/>
+                <a:tab pos="6979920" algn="l"/>
+                <a:tab pos="7561580" algn="l"/>
+                <a:tab pos="8143240" algn="l"/>
+                <a:tab pos="8724900" algn="l"/>
+                <a:tab pos="9306560" algn="l"/>
+              </a:tabLst>
+            </a:pPr>
+            <a:r>
+              <a:rPr lang="en-US" sz="1200" spc="-40" dirty="0">
+                <a:solidFill>
+                  <a:srgbClr val="555555"/>
+                </a:solidFill>
+                <a:effectLst/>
+                <a:latin typeface="Courier New" panose="02070309020205020404" pitchFamily="49" charset="0"/>
+                <a:ea typeface="Times New Roman" panose="02020603050405020304" pitchFamily="18" charset="0"/>
+              </a:rPr>
+              <a:t>------------+-----------+-----+--------+---------------</a:t>
+            </a:r>
+            <a:endParaRPr lang="en-US" sz="1200" dirty="0">
+              <a:effectLst/>
+              <a:latin typeface="Times New Roman" panose="02020603050405020304" pitchFamily="18" charset="0"/>
+              <a:ea typeface="Times New Roman" panose="02020603050405020304" pitchFamily="18" charset="0"/>
+            </a:endParaRPr>
+          </a:p>
+          <a:p>
+            <a:pPr fontAlgn="base" latinLnBrk="1">
+              <a:tabLst>
+                <a:tab pos="581660" algn="l"/>
+                <a:tab pos="1163320" algn="l"/>
+                <a:tab pos="1744980" algn="l"/>
+                <a:tab pos="2326640" algn="l"/>
+                <a:tab pos="2908300" algn="l"/>
+                <a:tab pos="3489960" algn="l"/>
+                <a:tab pos="4071620" algn="l"/>
+                <a:tab pos="4653280" algn="l"/>
+                <a:tab pos="5234940" algn="l"/>
+                <a:tab pos="5816600" algn="l"/>
+                <a:tab pos="6398260" algn="l"/>
+                <a:tab pos="6979920" algn="l"/>
+                <a:tab pos="7561580" algn="l"/>
+                <a:tab pos="8143240" algn="l"/>
+                <a:tab pos="8724900" algn="l"/>
+                <a:tab pos="9306560" algn="l"/>
+              </a:tabLst>
+            </a:pPr>
+            <a:r>
+              <a:rPr lang="en-US" sz="1200" spc="-40" dirty="0">
+                <a:solidFill>
+                  <a:srgbClr val="555555"/>
+                </a:solidFill>
+                <a:effectLst/>
+                <a:latin typeface="Courier New" panose="02070309020205020404" pitchFamily="49" charset="0"/>
+                <a:ea typeface="Times New Roman" panose="02020603050405020304" pitchFamily="18" charset="0"/>
+              </a:rPr>
+              <a:t>    Michael |  </a:t>
+            </a:r>
+            <a:r>
+              <a:rPr lang="en-US" sz="1200" spc="-40" dirty="0" err="1">
+                <a:solidFill>
+                  <a:srgbClr val="555555"/>
+                </a:solidFill>
+                <a:effectLst/>
+                <a:latin typeface="Courier New" panose="02070309020205020404" pitchFamily="49" charset="0"/>
+                <a:ea typeface="Times New Roman" panose="02020603050405020304" pitchFamily="18" charset="0"/>
+              </a:rPr>
+              <a:t>Kjellman</a:t>
+            </a:r>
+            <a:r>
+              <a:rPr lang="en-US" sz="1200" spc="-40" dirty="0">
+                <a:solidFill>
+                  <a:srgbClr val="555555"/>
+                </a:solidFill>
+                <a:effectLst/>
+                <a:latin typeface="Courier New" panose="02070309020205020404" pitchFamily="49" charset="0"/>
+                <a:ea typeface="Times New Roman" panose="02020603050405020304" pitchFamily="18" charset="0"/>
+              </a:rPr>
+              <a:t> |  26 |    180 | 1442959315021</a:t>
+            </a:r>
+            <a:endParaRPr lang="en-US" sz="1200" dirty="0">
+              <a:effectLst/>
+              <a:latin typeface="Times New Roman" panose="02020603050405020304" pitchFamily="18" charset="0"/>
+              <a:ea typeface="Times New Roman" panose="02020603050405020304" pitchFamily="18" charset="0"/>
+            </a:endParaRPr>
+          </a:p>
+          <a:p>
+            <a:pPr fontAlgn="base" latinLnBrk="1">
+              <a:tabLst>
+                <a:tab pos="581660" algn="l"/>
+                <a:tab pos="1163320" algn="l"/>
+                <a:tab pos="1744980" algn="l"/>
+                <a:tab pos="2326640" algn="l"/>
+                <a:tab pos="2908300" algn="l"/>
+                <a:tab pos="3489960" algn="l"/>
+                <a:tab pos="4071620" algn="l"/>
+                <a:tab pos="4653280" algn="l"/>
+                <a:tab pos="5234940" algn="l"/>
+                <a:tab pos="5816600" algn="l"/>
+                <a:tab pos="6398260" algn="l"/>
+                <a:tab pos="6979920" algn="l"/>
+                <a:tab pos="7561580" algn="l"/>
+                <a:tab pos="8143240" algn="l"/>
+                <a:tab pos="8724900" algn="l"/>
+                <a:tab pos="9306560" algn="l"/>
+              </a:tabLst>
+            </a:pPr>
+            <a:r>
+              <a:rPr lang="en-US" sz="1200" spc="-40" dirty="0">
+                <a:solidFill>
+                  <a:srgbClr val="555555"/>
+                </a:solidFill>
+                <a:effectLst/>
+                <a:latin typeface="Courier New" panose="02070309020205020404" pitchFamily="49" charset="0"/>
+                <a:ea typeface="Times New Roman" panose="02020603050405020304" pitchFamily="18" charset="0"/>
+              </a:rPr>
+              <a:t>    Mikhail |   </a:t>
+            </a:r>
+            <a:r>
+              <a:rPr lang="en-US" sz="1200" spc="-40" dirty="0" err="1">
+                <a:solidFill>
+                  <a:srgbClr val="555555"/>
+                </a:solidFill>
+                <a:effectLst/>
+                <a:latin typeface="Courier New" panose="02070309020205020404" pitchFamily="49" charset="0"/>
+                <a:ea typeface="Times New Roman" panose="02020603050405020304" pitchFamily="18" charset="0"/>
+              </a:rPr>
+              <a:t>Stepura</a:t>
+            </a:r>
+            <a:r>
+              <a:rPr lang="en-US" sz="1200" spc="-40" dirty="0">
+                <a:solidFill>
+                  <a:srgbClr val="555555"/>
+                </a:solidFill>
+                <a:effectLst/>
+                <a:latin typeface="Courier New" panose="02070309020205020404" pitchFamily="49" charset="0"/>
+                <a:ea typeface="Times New Roman" panose="02020603050405020304" pitchFamily="18" charset="0"/>
+              </a:rPr>
+              <a:t> |  36 |    173 | 1442959315020</a:t>
+            </a:r>
+            <a:endParaRPr lang="en-US" sz="1200" dirty="0">
+              <a:effectLst/>
+              <a:latin typeface="Times New Roman" panose="02020603050405020304" pitchFamily="18" charset="0"/>
+              <a:ea typeface="Times New Roman" panose="02020603050405020304" pitchFamily="18" charset="0"/>
+            </a:endParaRPr>
+          </a:p>
+        </p:txBody>
+      </p:sp>
+      <p:sp>
+        <p:nvSpPr>
+          <p:cNvPr id="9" name="TextBox 8">
+            <a:extLst>
+              <a:ext uri="{FF2B5EF4-FFF2-40B4-BE49-F238E27FC236}">
+                <a16:creationId xmlns:a16="http://schemas.microsoft.com/office/drawing/2014/main" id="{7989A6C9-6533-4447-B4B4-C9986EF1E153}"/>
+              </a:ext>
+            </a:extLst>
+          </p:cNvPr>
+          <p:cNvSpPr txBox="1"/>
+          <p:nvPr/>
+        </p:nvSpPr>
+        <p:spPr>
+          <a:xfrm>
+            <a:off x="861460" y="3456687"/>
+            <a:ext cx="10469077" cy="1200329"/>
+          </a:xfrm>
+          <a:prstGeom prst="rect">
+            <a:avLst/>
+          </a:prstGeom>
+          <a:solidFill>
+            <a:schemeClr val="bg1"/>
+          </a:solidFill>
+        </p:spPr>
+        <p:txBody>
+          <a:bodyPr wrap="square">
+            <a:spAutoFit/>
+          </a:bodyPr>
+          <a:lstStyle/>
+          <a:p>
+            <a:pPr fontAlgn="base" latinLnBrk="1">
+              <a:tabLst>
+                <a:tab pos="581660" algn="l"/>
+                <a:tab pos="1163320" algn="l"/>
+                <a:tab pos="1744980" algn="l"/>
+                <a:tab pos="2326640" algn="l"/>
+                <a:tab pos="2908300" algn="l"/>
+                <a:tab pos="3489960" algn="l"/>
+                <a:tab pos="4071620" algn="l"/>
+                <a:tab pos="4653280" algn="l"/>
+                <a:tab pos="5234940" algn="l"/>
+                <a:tab pos="5816600" algn="l"/>
+                <a:tab pos="6398260" algn="l"/>
+                <a:tab pos="6979920" algn="l"/>
+                <a:tab pos="7561580" algn="l"/>
+                <a:tab pos="8143240" algn="l"/>
+                <a:tab pos="8724900" algn="l"/>
+                <a:tab pos="9306560" algn="l"/>
+              </a:tabLst>
+            </a:pPr>
+            <a:r>
+              <a:rPr lang="en-US" sz="1200" spc="-40" dirty="0" err="1">
+                <a:solidFill>
+                  <a:srgbClr val="555555"/>
+                </a:solidFill>
+                <a:effectLst/>
+                <a:latin typeface="Courier New" panose="02070309020205020404" pitchFamily="49" charset="0"/>
+                <a:ea typeface="Times New Roman" panose="02020603050405020304" pitchFamily="18" charset="0"/>
+              </a:rPr>
+              <a:t>cqlsh:demo</a:t>
+            </a:r>
+            <a:r>
+              <a:rPr lang="en-US" sz="1200" spc="-40" dirty="0">
+                <a:solidFill>
+                  <a:srgbClr val="555555"/>
+                </a:solidFill>
+                <a:effectLst/>
+                <a:latin typeface="Courier New" panose="02070309020205020404" pitchFamily="49" charset="0"/>
+                <a:ea typeface="Times New Roman" panose="02020603050405020304" pitchFamily="18" charset="0"/>
+              </a:rPr>
+              <a:t>&gt; SELECT </a:t>
+            </a:r>
+            <a:r>
+              <a:rPr lang="en-US" sz="1200" spc="-40" dirty="0" err="1">
+                <a:solidFill>
+                  <a:srgbClr val="555555"/>
+                </a:solidFill>
+                <a:effectLst/>
+                <a:latin typeface="Courier New" panose="02070309020205020404" pitchFamily="49" charset="0"/>
+                <a:ea typeface="Times New Roman" panose="02020603050405020304" pitchFamily="18" charset="0"/>
+              </a:rPr>
+              <a:t>first_name</a:t>
+            </a:r>
+            <a:r>
+              <a:rPr lang="en-US" sz="1200" spc="-40" dirty="0">
+                <a:solidFill>
+                  <a:srgbClr val="555555"/>
+                </a:solidFill>
+                <a:effectLst/>
+                <a:latin typeface="Courier New" panose="02070309020205020404" pitchFamily="49" charset="0"/>
+                <a:ea typeface="Times New Roman" panose="02020603050405020304" pitchFamily="18" charset="0"/>
+              </a:rPr>
+              <a:t>, </a:t>
+            </a:r>
+            <a:r>
+              <a:rPr lang="en-US" sz="1200" spc="-40" dirty="0" err="1">
+                <a:solidFill>
+                  <a:srgbClr val="555555"/>
+                </a:solidFill>
+                <a:effectLst/>
+                <a:latin typeface="Courier New" panose="02070309020205020404" pitchFamily="49" charset="0"/>
+                <a:ea typeface="Times New Roman" panose="02020603050405020304" pitchFamily="18" charset="0"/>
+              </a:rPr>
+              <a:t>last_name</a:t>
+            </a:r>
+            <a:r>
+              <a:rPr lang="en-US" sz="1200" spc="-40" dirty="0">
+                <a:solidFill>
+                  <a:srgbClr val="555555"/>
+                </a:solidFill>
+                <a:effectLst/>
+                <a:latin typeface="Courier New" panose="02070309020205020404" pitchFamily="49" charset="0"/>
+                <a:ea typeface="Times New Roman" panose="02020603050405020304" pitchFamily="18" charset="0"/>
+              </a:rPr>
+              <a:t>, age, height, </a:t>
+            </a:r>
+            <a:r>
+              <a:rPr lang="en-US" sz="1200" spc="-40" dirty="0" err="1">
+                <a:solidFill>
+                  <a:srgbClr val="555555"/>
+                </a:solidFill>
+                <a:effectLst/>
+                <a:latin typeface="Courier New" panose="02070309020205020404" pitchFamily="49" charset="0"/>
+                <a:ea typeface="Times New Roman" panose="02020603050405020304" pitchFamily="18" charset="0"/>
+              </a:rPr>
+              <a:t>created_at</a:t>
+            </a:r>
+            <a:r>
+              <a:rPr lang="en-US" sz="1200" spc="-40" dirty="0">
+                <a:solidFill>
+                  <a:srgbClr val="555555"/>
+                </a:solidFill>
+                <a:effectLst/>
+                <a:latin typeface="Courier New" panose="02070309020205020404" pitchFamily="49" charset="0"/>
+                <a:ea typeface="Times New Roman" panose="02020603050405020304" pitchFamily="18" charset="0"/>
+              </a:rPr>
+              <a:t> FROM </a:t>
+            </a:r>
+            <a:r>
+              <a:rPr lang="en-US" sz="1200" spc="-40" dirty="0" err="1">
+                <a:solidFill>
+                  <a:srgbClr val="555555"/>
+                </a:solidFill>
+                <a:effectLst/>
+                <a:latin typeface="Courier New" panose="02070309020205020404" pitchFamily="49" charset="0"/>
+                <a:ea typeface="Times New Roman" panose="02020603050405020304" pitchFamily="18" charset="0"/>
+              </a:rPr>
+              <a:t>sasi</a:t>
+            </a:r>
+            <a:endParaRPr lang="en-US" sz="1200" dirty="0">
+              <a:effectLst/>
+              <a:latin typeface="Times New Roman" panose="02020603050405020304" pitchFamily="18" charset="0"/>
+              <a:ea typeface="Times New Roman" panose="02020603050405020304" pitchFamily="18" charset="0"/>
+            </a:endParaRPr>
+          </a:p>
+          <a:p>
+            <a:pPr fontAlgn="base" latinLnBrk="1">
+              <a:tabLst>
+                <a:tab pos="581660" algn="l"/>
+                <a:tab pos="1163320" algn="l"/>
+                <a:tab pos="1744980" algn="l"/>
+                <a:tab pos="2326640" algn="l"/>
+                <a:tab pos="2908300" algn="l"/>
+                <a:tab pos="3489960" algn="l"/>
+                <a:tab pos="4071620" algn="l"/>
+                <a:tab pos="4653280" algn="l"/>
+                <a:tab pos="5234940" algn="l"/>
+                <a:tab pos="5816600" algn="l"/>
+                <a:tab pos="6398260" algn="l"/>
+                <a:tab pos="6979920" algn="l"/>
+                <a:tab pos="7561580" algn="l"/>
+                <a:tab pos="8143240" algn="l"/>
+                <a:tab pos="8724900" algn="l"/>
+                <a:tab pos="9306560" algn="l"/>
+              </a:tabLst>
+            </a:pPr>
+            <a:r>
+              <a:rPr lang="en-US" sz="1200" spc="-40" dirty="0">
+                <a:solidFill>
+                  <a:srgbClr val="555555"/>
+                </a:solidFill>
+                <a:effectLst/>
+                <a:latin typeface="Courier New" panose="02070309020205020404" pitchFamily="49" charset="0"/>
+                <a:ea typeface="Times New Roman" panose="02020603050405020304" pitchFamily="18" charset="0"/>
+              </a:rPr>
+              <a:t>        ... WHERE </a:t>
+            </a:r>
+            <a:r>
+              <a:rPr lang="en-US" sz="1200" spc="-40" dirty="0" err="1">
+                <a:solidFill>
+                  <a:srgbClr val="555555"/>
+                </a:solidFill>
+                <a:effectLst/>
+                <a:latin typeface="Courier New" panose="02070309020205020404" pitchFamily="49" charset="0"/>
+                <a:ea typeface="Times New Roman" panose="02020603050405020304" pitchFamily="18" charset="0"/>
+              </a:rPr>
+              <a:t>first_name</a:t>
+            </a:r>
+            <a:r>
+              <a:rPr lang="en-US" sz="1200" spc="-40" dirty="0">
+                <a:solidFill>
+                  <a:srgbClr val="555555"/>
+                </a:solidFill>
+                <a:effectLst/>
+                <a:latin typeface="Courier New" panose="02070309020205020404" pitchFamily="49" charset="0"/>
+                <a:ea typeface="Times New Roman" panose="02020603050405020304" pitchFamily="18" charset="0"/>
+              </a:rPr>
+              <a:t> LIKE 'M%' and age &lt; 30 ALLOW FILTERING;</a:t>
+            </a:r>
+            <a:endParaRPr lang="en-US" sz="1200" dirty="0">
+              <a:effectLst/>
+              <a:latin typeface="Times New Roman" panose="02020603050405020304" pitchFamily="18" charset="0"/>
+              <a:ea typeface="Times New Roman" panose="02020603050405020304" pitchFamily="18" charset="0"/>
+            </a:endParaRPr>
+          </a:p>
+          <a:p>
+            <a:pPr fontAlgn="base" latinLnBrk="1">
+              <a:tabLst>
+                <a:tab pos="581660" algn="l"/>
+                <a:tab pos="1163320" algn="l"/>
+                <a:tab pos="1744980" algn="l"/>
+                <a:tab pos="2326640" algn="l"/>
+                <a:tab pos="2908300" algn="l"/>
+                <a:tab pos="3489960" algn="l"/>
+                <a:tab pos="4071620" algn="l"/>
+                <a:tab pos="4653280" algn="l"/>
+                <a:tab pos="5234940" algn="l"/>
+                <a:tab pos="5816600" algn="l"/>
+                <a:tab pos="6398260" algn="l"/>
+                <a:tab pos="6979920" algn="l"/>
+                <a:tab pos="7561580" algn="l"/>
+                <a:tab pos="8143240" algn="l"/>
+                <a:tab pos="8724900" algn="l"/>
+                <a:tab pos="9306560" algn="l"/>
+              </a:tabLst>
+            </a:pPr>
+            <a:r>
+              <a:rPr lang="en-US" sz="1200" spc="-40" dirty="0">
+                <a:solidFill>
+                  <a:srgbClr val="555555"/>
+                </a:solidFill>
+                <a:effectLst/>
+                <a:latin typeface="Courier New" panose="02070309020205020404" pitchFamily="49" charset="0"/>
+                <a:ea typeface="Times New Roman" panose="02020603050405020304" pitchFamily="18" charset="0"/>
+              </a:rPr>
+              <a:t> </a:t>
+            </a:r>
+            <a:endParaRPr lang="en-US" sz="1200" dirty="0">
+              <a:effectLst/>
+              <a:latin typeface="Times New Roman" panose="02020603050405020304" pitchFamily="18" charset="0"/>
+              <a:ea typeface="Times New Roman" panose="02020603050405020304" pitchFamily="18" charset="0"/>
+            </a:endParaRPr>
+          </a:p>
+          <a:p>
+            <a:pPr fontAlgn="base" latinLnBrk="1">
+              <a:tabLst>
+                <a:tab pos="581660" algn="l"/>
+                <a:tab pos="1163320" algn="l"/>
+                <a:tab pos="1744980" algn="l"/>
+                <a:tab pos="2326640" algn="l"/>
+                <a:tab pos="2908300" algn="l"/>
+                <a:tab pos="3489960" algn="l"/>
+                <a:tab pos="4071620" algn="l"/>
+                <a:tab pos="4653280" algn="l"/>
+                <a:tab pos="5234940" algn="l"/>
+                <a:tab pos="5816600" algn="l"/>
+                <a:tab pos="6398260" algn="l"/>
+                <a:tab pos="6979920" algn="l"/>
+                <a:tab pos="7561580" algn="l"/>
+                <a:tab pos="8143240" algn="l"/>
+                <a:tab pos="8724900" algn="l"/>
+                <a:tab pos="9306560" algn="l"/>
+              </a:tabLst>
+            </a:pPr>
+            <a:r>
+              <a:rPr lang="en-US" sz="1200" spc="-40" dirty="0">
+                <a:solidFill>
+                  <a:srgbClr val="555555"/>
+                </a:solidFill>
+                <a:effectLst/>
+                <a:latin typeface="Courier New" panose="02070309020205020404" pitchFamily="49" charset="0"/>
+                <a:ea typeface="Times New Roman" panose="02020603050405020304" pitchFamily="18" charset="0"/>
+              </a:rPr>
+              <a:t> </a:t>
+            </a:r>
+            <a:r>
+              <a:rPr lang="en-US" sz="1200" spc="-40" dirty="0" err="1">
+                <a:solidFill>
+                  <a:srgbClr val="555555"/>
+                </a:solidFill>
+                <a:effectLst/>
+                <a:latin typeface="Courier New" panose="02070309020205020404" pitchFamily="49" charset="0"/>
+                <a:ea typeface="Times New Roman" panose="02020603050405020304" pitchFamily="18" charset="0"/>
+              </a:rPr>
+              <a:t>first_name</a:t>
+            </a:r>
+            <a:r>
+              <a:rPr lang="en-US" sz="1200" spc="-40" dirty="0">
+                <a:solidFill>
+                  <a:srgbClr val="555555"/>
+                </a:solidFill>
+                <a:effectLst/>
+                <a:latin typeface="Courier New" panose="02070309020205020404" pitchFamily="49" charset="0"/>
+                <a:ea typeface="Times New Roman" panose="02020603050405020304" pitchFamily="18" charset="0"/>
+              </a:rPr>
+              <a:t> | </a:t>
+            </a:r>
+            <a:r>
+              <a:rPr lang="en-US" sz="1200" spc="-40" dirty="0" err="1">
+                <a:solidFill>
+                  <a:srgbClr val="555555"/>
+                </a:solidFill>
+                <a:effectLst/>
+                <a:latin typeface="Courier New" panose="02070309020205020404" pitchFamily="49" charset="0"/>
+                <a:ea typeface="Times New Roman" panose="02020603050405020304" pitchFamily="18" charset="0"/>
+              </a:rPr>
+              <a:t>last_name</a:t>
+            </a:r>
+            <a:r>
+              <a:rPr lang="en-US" sz="1200" spc="-40" dirty="0">
+                <a:solidFill>
+                  <a:srgbClr val="555555"/>
+                </a:solidFill>
+                <a:effectLst/>
+                <a:latin typeface="Courier New" panose="02070309020205020404" pitchFamily="49" charset="0"/>
+                <a:ea typeface="Times New Roman" panose="02020603050405020304" pitchFamily="18" charset="0"/>
+              </a:rPr>
+              <a:t> | age | height | </a:t>
+            </a:r>
+            <a:r>
+              <a:rPr lang="en-US" sz="1200" spc="-40" dirty="0" err="1">
+                <a:solidFill>
+                  <a:srgbClr val="555555"/>
+                </a:solidFill>
+                <a:effectLst/>
+                <a:latin typeface="Courier New" panose="02070309020205020404" pitchFamily="49" charset="0"/>
+                <a:ea typeface="Times New Roman" panose="02020603050405020304" pitchFamily="18" charset="0"/>
+              </a:rPr>
+              <a:t>created_at</a:t>
+            </a:r>
+            <a:endParaRPr lang="en-US" sz="1200" dirty="0">
+              <a:effectLst/>
+              <a:latin typeface="Times New Roman" panose="02020603050405020304" pitchFamily="18" charset="0"/>
+              <a:ea typeface="Times New Roman" panose="02020603050405020304" pitchFamily="18" charset="0"/>
+            </a:endParaRPr>
+          </a:p>
+          <a:p>
+            <a:pPr fontAlgn="base" latinLnBrk="1">
+              <a:tabLst>
+                <a:tab pos="581660" algn="l"/>
+                <a:tab pos="1163320" algn="l"/>
+                <a:tab pos="1744980" algn="l"/>
+                <a:tab pos="2326640" algn="l"/>
+                <a:tab pos="2908300" algn="l"/>
+                <a:tab pos="3489960" algn="l"/>
+                <a:tab pos="4071620" algn="l"/>
+                <a:tab pos="4653280" algn="l"/>
+                <a:tab pos="5234940" algn="l"/>
+                <a:tab pos="5816600" algn="l"/>
+                <a:tab pos="6398260" algn="l"/>
+                <a:tab pos="6979920" algn="l"/>
+                <a:tab pos="7561580" algn="l"/>
+                <a:tab pos="8143240" algn="l"/>
+                <a:tab pos="8724900" algn="l"/>
+                <a:tab pos="9306560" algn="l"/>
+              </a:tabLst>
+            </a:pPr>
+            <a:r>
+              <a:rPr lang="en-US" sz="1200" spc="-40" dirty="0">
+                <a:solidFill>
+                  <a:srgbClr val="555555"/>
+                </a:solidFill>
+                <a:effectLst/>
+                <a:latin typeface="Courier New" panose="02070309020205020404" pitchFamily="49" charset="0"/>
+                <a:ea typeface="Times New Roman" panose="02020603050405020304" pitchFamily="18" charset="0"/>
+              </a:rPr>
+              <a:t>------------+-----------+-----+--------+---------------</a:t>
+            </a:r>
+            <a:endParaRPr lang="en-US" sz="1200" dirty="0">
+              <a:effectLst/>
+              <a:latin typeface="Times New Roman" panose="02020603050405020304" pitchFamily="18" charset="0"/>
+              <a:ea typeface="Times New Roman" panose="02020603050405020304" pitchFamily="18" charset="0"/>
+            </a:endParaRPr>
+          </a:p>
+          <a:p>
+            <a:pPr fontAlgn="base" latinLnBrk="1">
+              <a:tabLst>
+                <a:tab pos="581660" algn="l"/>
+                <a:tab pos="1163320" algn="l"/>
+                <a:tab pos="1744980" algn="l"/>
+                <a:tab pos="2326640" algn="l"/>
+                <a:tab pos="2908300" algn="l"/>
+                <a:tab pos="3489960" algn="l"/>
+                <a:tab pos="4071620" algn="l"/>
+                <a:tab pos="4653280" algn="l"/>
+                <a:tab pos="5234940" algn="l"/>
+                <a:tab pos="5816600" algn="l"/>
+                <a:tab pos="6398260" algn="l"/>
+                <a:tab pos="6979920" algn="l"/>
+                <a:tab pos="7561580" algn="l"/>
+                <a:tab pos="8143240" algn="l"/>
+                <a:tab pos="8724900" algn="l"/>
+                <a:tab pos="9306560" algn="l"/>
+              </a:tabLst>
+            </a:pPr>
+            <a:r>
+              <a:rPr lang="en-US" sz="1200" spc="-40" dirty="0">
+                <a:solidFill>
+                  <a:srgbClr val="555555"/>
+                </a:solidFill>
+                <a:effectLst/>
+                <a:latin typeface="Courier New" panose="02070309020205020404" pitchFamily="49" charset="0"/>
+                <a:ea typeface="Times New Roman" panose="02020603050405020304" pitchFamily="18" charset="0"/>
+              </a:rPr>
+              <a:t>    Michael |  </a:t>
+            </a:r>
+            <a:r>
+              <a:rPr lang="en-US" sz="1200" spc="-40" dirty="0" err="1">
+                <a:solidFill>
+                  <a:srgbClr val="555555"/>
+                </a:solidFill>
+                <a:effectLst/>
+                <a:latin typeface="Courier New" panose="02070309020205020404" pitchFamily="49" charset="0"/>
+                <a:ea typeface="Times New Roman" panose="02020603050405020304" pitchFamily="18" charset="0"/>
+              </a:rPr>
+              <a:t>Kjellman</a:t>
+            </a:r>
+            <a:r>
+              <a:rPr lang="en-US" sz="1200" spc="-40" dirty="0">
+                <a:solidFill>
+                  <a:srgbClr val="555555"/>
+                </a:solidFill>
+                <a:effectLst/>
+                <a:latin typeface="Courier New" panose="02070309020205020404" pitchFamily="49" charset="0"/>
+                <a:ea typeface="Times New Roman" panose="02020603050405020304" pitchFamily="18" charset="0"/>
+              </a:rPr>
+              <a:t> |  26 |    180 | 1442959315021</a:t>
+            </a:r>
+            <a:endParaRPr lang="en-US" sz="1200" dirty="0">
+              <a:effectLst/>
+              <a:latin typeface="Times New Roman" panose="02020603050405020304" pitchFamily="18" charset="0"/>
+              <a:ea typeface="Times New Roman" panose="02020603050405020304" pitchFamily="18" charset="0"/>
+            </a:endParaRPr>
+          </a:p>
+        </p:txBody>
+      </p:sp>
+      <p:sp>
+        <p:nvSpPr>
+          <p:cNvPr id="11" name="TextBox 10">
+            <a:extLst>
+              <a:ext uri="{FF2B5EF4-FFF2-40B4-BE49-F238E27FC236}">
+                <a16:creationId xmlns:a16="http://schemas.microsoft.com/office/drawing/2014/main" id="{208262FE-9E12-4C6C-B3A5-85924FABE924}"/>
+              </a:ext>
+            </a:extLst>
+          </p:cNvPr>
+          <p:cNvSpPr txBox="1"/>
+          <p:nvPr/>
+        </p:nvSpPr>
+        <p:spPr>
+          <a:xfrm>
+            <a:off x="861460" y="4900146"/>
+            <a:ext cx="10469077" cy="1200329"/>
+          </a:xfrm>
+          <a:prstGeom prst="rect">
+            <a:avLst/>
+          </a:prstGeom>
+          <a:solidFill>
+            <a:schemeClr val="bg1"/>
+          </a:solidFill>
+        </p:spPr>
+        <p:txBody>
+          <a:bodyPr wrap="square">
+            <a:spAutoFit/>
+          </a:bodyPr>
+          <a:lstStyle/>
+          <a:p>
+            <a:pPr fontAlgn="base" latinLnBrk="1">
+              <a:tabLst>
+                <a:tab pos="581660" algn="l"/>
+                <a:tab pos="1163320" algn="l"/>
+                <a:tab pos="1744980" algn="l"/>
+                <a:tab pos="2326640" algn="l"/>
+                <a:tab pos="2908300" algn="l"/>
+                <a:tab pos="3489960" algn="l"/>
+                <a:tab pos="4071620" algn="l"/>
+                <a:tab pos="4653280" algn="l"/>
+                <a:tab pos="5234940" algn="l"/>
+                <a:tab pos="5816600" algn="l"/>
+                <a:tab pos="6398260" algn="l"/>
+                <a:tab pos="6979920" algn="l"/>
+                <a:tab pos="7561580" algn="l"/>
+                <a:tab pos="8143240" algn="l"/>
+                <a:tab pos="8724900" algn="l"/>
+                <a:tab pos="9306560" algn="l"/>
+              </a:tabLst>
+            </a:pPr>
+            <a:r>
+              <a:rPr lang="en-US" sz="1200" spc="-40" dirty="0" err="1">
+                <a:solidFill>
+                  <a:srgbClr val="555555"/>
+                </a:solidFill>
+                <a:effectLst/>
+                <a:latin typeface="Courier New" panose="02070309020205020404" pitchFamily="49" charset="0"/>
+                <a:ea typeface="Times New Roman" panose="02020603050405020304" pitchFamily="18" charset="0"/>
+              </a:rPr>
+              <a:t>cqlsh:demo</a:t>
+            </a:r>
+            <a:r>
+              <a:rPr lang="en-US" sz="1200" spc="-40" dirty="0">
+                <a:solidFill>
+                  <a:srgbClr val="555555"/>
+                </a:solidFill>
+                <a:effectLst/>
+                <a:latin typeface="Courier New" panose="02070309020205020404" pitchFamily="49" charset="0"/>
+                <a:ea typeface="Times New Roman" panose="02020603050405020304" pitchFamily="18" charset="0"/>
+              </a:rPr>
+              <a:t>&gt; SELECT * FROM </a:t>
+            </a:r>
+            <a:r>
+              <a:rPr lang="en-US" sz="1200" spc="-40" dirty="0" err="1">
+                <a:solidFill>
+                  <a:srgbClr val="555555"/>
+                </a:solidFill>
+                <a:effectLst/>
+                <a:latin typeface="Courier New" panose="02070309020205020404" pitchFamily="49" charset="0"/>
+                <a:ea typeface="Times New Roman" panose="02020603050405020304" pitchFamily="18" charset="0"/>
+              </a:rPr>
+              <a:t>sasi</a:t>
+            </a:r>
+            <a:r>
+              <a:rPr lang="en-US" sz="1200" spc="-40" dirty="0">
+                <a:solidFill>
+                  <a:srgbClr val="555555"/>
+                </a:solidFill>
+                <a:effectLst/>
+                <a:latin typeface="Courier New" panose="02070309020205020404" pitchFamily="49" charset="0"/>
+                <a:ea typeface="Times New Roman" panose="02020603050405020304" pitchFamily="18" charset="0"/>
+              </a:rPr>
+              <a:t> WHERE </a:t>
+            </a:r>
+            <a:r>
+              <a:rPr lang="en-US" sz="1200" spc="-40" dirty="0" err="1">
+                <a:solidFill>
+                  <a:srgbClr val="555555"/>
+                </a:solidFill>
+                <a:effectLst/>
+                <a:latin typeface="Courier New" panose="02070309020205020404" pitchFamily="49" charset="0"/>
+                <a:ea typeface="Times New Roman" panose="02020603050405020304" pitchFamily="18" charset="0"/>
+              </a:rPr>
+              <a:t>last_name</a:t>
+            </a:r>
+            <a:r>
+              <a:rPr lang="en-US" sz="1200" spc="-40" dirty="0">
+                <a:solidFill>
+                  <a:srgbClr val="555555"/>
+                </a:solidFill>
+                <a:effectLst/>
+                <a:latin typeface="Courier New" panose="02070309020205020404" pitchFamily="49" charset="0"/>
+                <a:ea typeface="Times New Roman" panose="02020603050405020304" pitchFamily="18" charset="0"/>
+              </a:rPr>
+              <a:t> LIKE '%an%';</a:t>
+            </a:r>
+            <a:endParaRPr lang="en-US" sz="1200" dirty="0">
+              <a:effectLst/>
+              <a:latin typeface="Times New Roman" panose="02020603050405020304" pitchFamily="18" charset="0"/>
+              <a:ea typeface="Times New Roman" panose="02020603050405020304" pitchFamily="18" charset="0"/>
+            </a:endParaRPr>
+          </a:p>
+          <a:p>
+            <a:pPr fontAlgn="base" latinLnBrk="1">
+              <a:tabLst>
+                <a:tab pos="581660" algn="l"/>
+                <a:tab pos="1163320" algn="l"/>
+                <a:tab pos="1744980" algn="l"/>
+                <a:tab pos="2326640" algn="l"/>
+                <a:tab pos="2908300" algn="l"/>
+                <a:tab pos="3489960" algn="l"/>
+                <a:tab pos="4071620" algn="l"/>
+                <a:tab pos="4653280" algn="l"/>
+                <a:tab pos="5234940" algn="l"/>
+                <a:tab pos="5816600" algn="l"/>
+                <a:tab pos="6398260" algn="l"/>
+                <a:tab pos="6979920" algn="l"/>
+                <a:tab pos="7561580" algn="l"/>
+                <a:tab pos="8143240" algn="l"/>
+                <a:tab pos="8724900" algn="l"/>
+                <a:tab pos="9306560" algn="l"/>
+              </a:tabLst>
+            </a:pPr>
+            <a:r>
+              <a:rPr lang="en-US" sz="1200" spc="-40" dirty="0">
+                <a:solidFill>
+                  <a:srgbClr val="555555"/>
+                </a:solidFill>
+                <a:effectLst/>
+                <a:latin typeface="Courier New" panose="02070309020205020404" pitchFamily="49" charset="0"/>
+                <a:ea typeface="Times New Roman" panose="02020603050405020304" pitchFamily="18" charset="0"/>
+              </a:rPr>
+              <a:t> </a:t>
+            </a:r>
+            <a:endParaRPr lang="en-US" sz="1200" dirty="0">
+              <a:effectLst/>
+              <a:latin typeface="Times New Roman" panose="02020603050405020304" pitchFamily="18" charset="0"/>
+              <a:ea typeface="Times New Roman" panose="02020603050405020304" pitchFamily="18" charset="0"/>
+            </a:endParaRPr>
+          </a:p>
+          <a:p>
+            <a:pPr fontAlgn="base" latinLnBrk="1">
+              <a:tabLst>
+                <a:tab pos="581660" algn="l"/>
+                <a:tab pos="1163320" algn="l"/>
+                <a:tab pos="1744980" algn="l"/>
+                <a:tab pos="2326640" algn="l"/>
+                <a:tab pos="2908300" algn="l"/>
+                <a:tab pos="3489960" algn="l"/>
+                <a:tab pos="4071620" algn="l"/>
+                <a:tab pos="4653280" algn="l"/>
+                <a:tab pos="5234940" algn="l"/>
+                <a:tab pos="5816600" algn="l"/>
+                <a:tab pos="6398260" algn="l"/>
+                <a:tab pos="6979920" algn="l"/>
+                <a:tab pos="7561580" algn="l"/>
+                <a:tab pos="8143240" algn="l"/>
+                <a:tab pos="8724900" algn="l"/>
+                <a:tab pos="9306560" algn="l"/>
+              </a:tabLst>
+            </a:pPr>
+            <a:r>
+              <a:rPr lang="en-US" sz="1200" spc="-40" dirty="0">
+                <a:solidFill>
+                  <a:srgbClr val="555555"/>
+                </a:solidFill>
+                <a:effectLst/>
+                <a:latin typeface="Courier New" panose="02070309020205020404" pitchFamily="49" charset="0"/>
+                <a:ea typeface="Times New Roman" panose="02020603050405020304" pitchFamily="18" charset="0"/>
+              </a:rPr>
+              <a:t> id                                   | age | </a:t>
+            </a:r>
+            <a:r>
+              <a:rPr lang="en-US" sz="1200" spc="-40" dirty="0" err="1">
+                <a:solidFill>
+                  <a:srgbClr val="555555"/>
+                </a:solidFill>
+                <a:effectLst/>
+                <a:latin typeface="Courier New" panose="02070309020205020404" pitchFamily="49" charset="0"/>
+                <a:ea typeface="Times New Roman" panose="02020603050405020304" pitchFamily="18" charset="0"/>
+              </a:rPr>
+              <a:t>created_at</a:t>
+            </a:r>
+            <a:r>
+              <a:rPr lang="en-US" sz="1200" spc="-40" dirty="0">
+                <a:solidFill>
+                  <a:srgbClr val="555555"/>
+                </a:solidFill>
+                <a:effectLst/>
+                <a:latin typeface="Courier New" panose="02070309020205020404" pitchFamily="49" charset="0"/>
+                <a:ea typeface="Times New Roman" panose="02020603050405020304" pitchFamily="18" charset="0"/>
+              </a:rPr>
+              <a:t>    | </a:t>
+            </a:r>
+            <a:r>
+              <a:rPr lang="en-US" sz="1200" spc="-40" dirty="0" err="1">
+                <a:solidFill>
+                  <a:srgbClr val="555555"/>
+                </a:solidFill>
+                <a:effectLst/>
+                <a:latin typeface="Courier New" panose="02070309020205020404" pitchFamily="49" charset="0"/>
+                <a:ea typeface="Times New Roman" panose="02020603050405020304" pitchFamily="18" charset="0"/>
+              </a:rPr>
+              <a:t>first_name</a:t>
+            </a:r>
+            <a:r>
+              <a:rPr lang="en-US" sz="1200" spc="-40" dirty="0">
+                <a:solidFill>
+                  <a:srgbClr val="555555"/>
+                </a:solidFill>
+                <a:effectLst/>
+                <a:latin typeface="Courier New" panose="02070309020205020404" pitchFamily="49" charset="0"/>
+                <a:ea typeface="Times New Roman" panose="02020603050405020304" pitchFamily="18" charset="0"/>
+              </a:rPr>
+              <a:t> | height | </a:t>
+            </a:r>
+            <a:r>
+              <a:rPr lang="en-US" sz="1200" spc="-40" dirty="0" err="1">
+                <a:solidFill>
+                  <a:srgbClr val="555555"/>
+                </a:solidFill>
+                <a:effectLst/>
+                <a:latin typeface="Courier New" panose="02070309020205020404" pitchFamily="49" charset="0"/>
+                <a:ea typeface="Times New Roman" panose="02020603050405020304" pitchFamily="18" charset="0"/>
+              </a:rPr>
+              <a:t>last_name</a:t>
+            </a:r>
+            <a:endParaRPr lang="en-US" sz="1200" dirty="0">
+              <a:effectLst/>
+              <a:latin typeface="Times New Roman" panose="02020603050405020304" pitchFamily="18" charset="0"/>
+              <a:ea typeface="Times New Roman" panose="02020603050405020304" pitchFamily="18" charset="0"/>
+            </a:endParaRPr>
+          </a:p>
+          <a:p>
+            <a:pPr fontAlgn="base" latinLnBrk="1">
+              <a:tabLst>
+                <a:tab pos="581660" algn="l"/>
+                <a:tab pos="1163320" algn="l"/>
+                <a:tab pos="1744980" algn="l"/>
+                <a:tab pos="2326640" algn="l"/>
+                <a:tab pos="2908300" algn="l"/>
+                <a:tab pos="3489960" algn="l"/>
+                <a:tab pos="4071620" algn="l"/>
+                <a:tab pos="4653280" algn="l"/>
+                <a:tab pos="5234940" algn="l"/>
+                <a:tab pos="5816600" algn="l"/>
+                <a:tab pos="6398260" algn="l"/>
+                <a:tab pos="6979920" algn="l"/>
+                <a:tab pos="7561580" algn="l"/>
+                <a:tab pos="8143240" algn="l"/>
+                <a:tab pos="8724900" algn="l"/>
+                <a:tab pos="9306560" algn="l"/>
+              </a:tabLst>
+            </a:pPr>
+            <a:r>
+              <a:rPr lang="en-US" sz="1200" spc="-40" dirty="0">
+                <a:solidFill>
+                  <a:srgbClr val="555555"/>
+                </a:solidFill>
+                <a:effectLst/>
+                <a:latin typeface="Courier New" panose="02070309020205020404" pitchFamily="49" charset="0"/>
+                <a:ea typeface="Times New Roman" panose="02020603050405020304" pitchFamily="18" charset="0"/>
+              </a:rPr>
+              <a:t>--------------------------------------+-----+---------------+------------+--------+-----------</a:t>
+            </a:r>
+            <a:endParaRPr lang="en-US" sz="1200" dirty="0">
+              <a:effectLst/>
+              <a:latin typeface="Times New Roman" panose="02020603050405020304" pitchFamily="18" charset="0"/>
+              <a:ea typeface="Times New Roman" panose="02020603050405020304" pitchFamily="18" charset="0"/>
+            </a:endParaRPr>
+          </a:p>
+          <a:p>
+            <a:pPr fontAlgn="base" latinLnBrk="1">
+              <a:tabLst>
+                <a:tab pos="581660" algn="l"/>
+                <a:tab pos="1163320" algn="l"/>
+                <a:tab pos="1744980" algn="l"/>
+                <a:tab pos="2326640" algn="l"/>
+                <a:tab pos="2908300" algn="l"/>
+                <a:tab pos="3489960" algn="l"/>
+                <a:tab pos="4071620" algn="l"/>
+                <a:tab pos="4653280" algn="l"/>
+                <a:tab pos="5234940" algn="l"/>
+                <a:tab pos="5816600" algn="l"/>
+                <a:tab pos="6398260" algn="l"/>
+                <a:tab pos="6979920" algn="l"/>
+                <a:tab pos="7561580" algn="l"/>
+                <a:tab pos="8143240" algn="l"/>
+                <a:tab pos="8724900" algn="l"/>
+                <a:tab pos="9306560" algn="l"/>
+              </a:tabLst>
+            </a:pPr>
+            <a:r>
+              <a:rPr lang="en-US" sz="1200" spc="-40" dirty="0">
+                <a:solidFill>
+                  <a:srgbClr val="555555"/>
+                </a:solidFill>
+                <a:effectLst/>
+                <a:latin typeface="Courier New" panose="02070309020205020404" pitchFamily="49" charset="0"/>
+                <a:ea typeface="Times New Roman" panose="02020603050405020304" pitchFamily="18" charset="0"/>
+              </a:rPr>
+              <a:t> f5dfcabe-de96-4148-9b80-a1c41ed276b4 |  26 | 1442959315021 |    Michael |    180 |  </a:t>
+            </a:r>
+            <a:r>
+              <a:rPr lang="en-US" sz="1200" spc="-40" dirty="0" err="1">
+                <a:solidFill>
+                  <a:srgbClr val="555555"/>
+                </a:solidFill>
+                <a:effectLst/>
+                <a:latin typeface="Courier New" panose="02070309020205020404" pitchFamily="49" charset="0"/>
+                <a:ea typeface="Times New Roman" panose="02020603050405020304" pitchFamily="18" charset="0"/>
+              </a:rPr>
+              <a:t>Kjellman</a:t>
+            </a:r>
+            <a:endParaRPr lang="en-US" sz="1200" dirty="0">
+              <a:effectLst/>
+              <a:latin typeface="Times New Roman" panose="02020603050405020304" pitchFamily="18" charset="0"/>
+              <a:ea typeface="Times New Roman" panose="02020603050405020304" pitchFamily="18" charset="0"/>
+            </a:endParaRPr>
+          </a:p>
+          <a:p>
+            <a:pPr fontAlgn="base" latinLnBrk="1">
+              <a:tabLst>
+                <a:tab pos="581660" algn="l"/>
+                <a:tab pos="1163320" algn="l"/>
+                <a:tab pos="1744980" algn="l"/>
+                <a:tab pos="2326640" algn="l"/>
+                <a:tab pos="2908300" algn="l"/>
+                <a:tab pos="3489960" algn="l"/>
+                <a:tab pos="4071620" algn="l"/>
+                <a:tab pos="4653280" algn="l"/>
+                <a:tab pos="5234940" algn="l"/>
+                <a:tab pos="5816600" algn="l"/>
+                <a:tab pos="6398260" algn="l"/>
+                <a:tab pos="6979920" algn="l"/>
+                <a:tab pos="7561580" algn="l"/>
+                <a:tab pos="8143240" algn="l"/>
+                <a:tab pos="8724900" algn="l"/>
+                <a:tab pos="9306560" algn="l"/>
+              </a:tabLst>
+            </a:pPr>
+            <a:r>
+              <a:rPr lang="en-US" sz="1200" spc="-40" dirty="0">
+                <a:solidFill>
+                  <a:srgbClr val="555555"/>
+                </a:solidFill>
+                <a:effectLst/>
+                <a:latin typeface="Courier New" panose="02070309020205020404" pitchFamily="49" charset="0"/>
+                <a:ea typeface="Times New Roman" panose="02020603050405020304" pitchFamily="18" charset="0"/>
+              </a:rPr>
+              <a:t> 2970da43-e070-41a8-8bcb-35df7a0e608a |  32 | 1442959315022 |     Johnny |    175 |     Zhang</a:t>
+            </a:r>
+            <a:endParaRPr lang="en-US" sz="1200" dirty="0">
+              <a:effectLst/>
+              <a:latin typeface="Times New Roman" panose="02020603050405020304" pitchFamily="18" charset="0"/>
+              <a:ea typeface="Times New Roman" panose="02020603050405020304" pitchFamily="18" charset="0"/>
+            </a:endParaRPr>
+          </a:p>
+        </p:txBody>
+      </p:sp>
+    </p:spTree>
+    <p:extLst>
+      <p:ext uri="{BB962C8B-B14F-4D97-AF65-F5344CB8AC3E}">
+        <p14:creationId xmlns:p14="http://schemas.microsoft.com/office/powerpoint/2010/main" val="296053095"/>
+      </p:ext>
+    </p:extLst>
+  </p:cSld>
+  <p:clrMapOvr>
+    <a:masterClrMapping/>
+  </p:clrMapOvr>
+</p:sld>
+</file>
+
+<file path=ppt/slides/slide18.xml><?xml version="1.0" encoding="utf-8"?>
+<p:sld xmlns:a="http://schemas.openxmlformats.org/drawingml/2006/main" xmlns:r="http://schemas.openxmlformats.org/officeDocument/2006/relationships" xmlns:p="http://schemas.openxmlformats.org/presentationml/2006/main">
+  <p:cSld>
+    <p:spTree>
+      <p:nvGrpSpPr>
+        <p:cNvPr id="1" name=""/>
+        <p:cNvGrpSpPr/>
+        <p:nvPr/>
+      </p:nvGrpSpPr>
+      <p:grpSpPr>
+        <a:xfrm>
+          <a:off x="0" y="0"/>
+          <a:ext cx="0" cy="0"/>
+          <a:chOff x="0" y="0"/>
+          <a:chExt cx="0" cy="0"/>
+        </a:xfrm>
+      </p:grpSpPr>
+      <p:sp>
+        <p:nvSpPr>
+          <p:cNvPr id="2" name="Title 1">
+            <a:extLst>
+              <a:ext uri="{FF2B5EF4-FFF2-40B4-BE49-F238E27FC236}">
                 <a16:creationId xmlns:a16="http://schemas.microsoft.com/office/drawing/2014/main" id="{E4D8CD2B-4B15-4619-BBA0-B4E6C86BC343}"/>
               </a:ext>
             </a:extLst>
@@ -8841,7 +11234,7 @@
 </p:sld>
 </file>
 
-<file path=ppt/slides/slide17.xml><?xml version="1.0" encoding="utf-8"?>
+<file path=ppt/slides/slide19.xml><?xml version="1.0" encoding="utf-8"?>
 <p:sld xmlns:a="http://schemas.openxmlformats.org/drawingml/2006/main" xmlns:r="http://schemas.openxmlformats.org/officeDocument/2006/relationships" xmlns:p="http://schemas.openxmlformats.org/presentationml/2006/main">
   <p:cSld>
     <p:spTree>
@@ -9040,7 +11433,212 @@
 </p:sld>
 </file>
 
-<file path=ppt/slides/slide18.xml><?xml version="1.0" encoding="utf-8"?>
+<file path=ppt/slides/slide2.xml><?xml version="1.0" encoding="utf-8"?>
+<p:sld xmlns:a="http://schemas.openxmlformats.org/drawingml/2006/main" xmlns:r="http://schemas.openxmlformats.org/officeDocument/2006/relationships" xmlns:p="http://schemas.openxmlformats.org/presentationml/2006/main">
+  <p:cSld>
+    <p:spTree>
+      <p:nvGrpSpPr>
+        <p:cNvPr id="1" name=""/>
+        <p:cNvGrpSpPr/>
+        <p:nvPr/>
+      </p:nvGrpSpPr>
+      <p:grpSpPr>
+        <a:xfrm>
+          <a:off x="0" y="0"/>
+          <a:ext cx="0" cy="0"/>
+          <a:chOff x="0" y="0"/>
+          <a:chExt cx="0" cy="0"/>
+        </a:xfrm>
+      </p:grpSpPr>
+      <p:sp>
+        <p:nvSpPr>
+          <p:cNvPr id="2" name="Title 1">
+            <a:extLst>
+              <a:ext uri="{FF2B5EF4-FFF2-40B4-BE49-F238E27FC236}">
+                <a16:creationId xmlns:a16="http://schemas.microsoft.com/office/drawing/2014/main" id="{CE6796FE-23CB-410E-8807-E827CF0E84EB}"/>
+              </a:ext>
+            </a:extLst>
+          </p:cNvPr>
+          <p:cNvSpPr>
+            <a:spLocks noGrp="1"/>
+          </p:cNvSpPr>
+          <p:nvPr>
+            <p:ph type="title"/>
+          </p:nvPr>
+        </p:nvSpPr>
+        <p:spPr/>
+        <p:txBody>
+          <a:bodyPr/>
+          <a:lstStyle/>
+          <a:p>
+            <a:r>
+              <a:rPr lang="sr-Latn-RS" b="1" dirty="0">
+                <a:latin typeface="Times New Roman" panose="02020603050405020304" pitchFamily="18" charset="0"/>
+                <a:cs typeface="Times New Roman" panose="02020603050405020304" pitchFamily="18" charset="0"/>
+              </a:rPr>
+              <a:t>Uvod</a:t>
+            </a:r>
+            <a:endParaRPr lang="en-US" b="1" dirty="0">
+              <a:latin typeface="Times New Roman" panose="02020603050405020304" pitchFamily="18" charset="0"/>
+              <a:cs typeface="Times New Roman" panose="02020603050405020304" pitchFamily="18" charset="0"/>
+            </a:endParaRPr>
+          </a:p>
+        </p:txBody>
+      </p:sp>
+      <p:sp>
+        <p:nvSpPr>
+          <p:cNvPr id="3" name="Content Placeholder 2">
+            <a:extLst>
+              <a:ext uri="{FF2B5EF4-FFF2-40B4-BE49-F238E27FC236}">
+                <a16:creationId xmlns:a16="http://schemas.microsoft.com/office/drawing/2014/main" id="{D4CFBB9F-4213-4A32-BE11-43E33F6E8D77}"/>
+              </a:ext>
+            </a:extLst>
+          </p:cNvPr>
+          <p:cNvSpPr>
+            <a:spLocks noGrp="1"/>
+          </p:cNvSpPr>
+          <p:nvPr>
+            <p:ph idx="1"/>
+          </p:nvPr>
+        </p:nvSpPr>
+        <p:spPr>
+          <a:xfrm>
+            <a:off x="1097280" y="1845733"/>
+            <a:ext cx="10058400" cy="4362561"/>
+          </a:xfrm>
+        </p:spPr>
+        <p:txBody>
+          <a:bodyPr>
+            <a:normAutofit/>
+          </a:bodyPr>
+          <a:lstStyle/>
+          <a:p>
+            <a:pPr>
+              <a:buFont typeface="Wingdings" panose="05000000000000000000" pitchFamily="2" charset="2"/>
+              <a:buChar char="§"/>
+            </a:pPr>
+            <a:r>
+              <a:rPr lang="sr-Latn-RS" dirty="0"/>
+              <a:t>Apache Cassandra-opšte informacije</a:t>
+            </a:r>
+          </a:p>
+          <a:p>
+            <a:pPr>
+              <a:buFont typeface="Wingdings" panose="05000000000000000000" pitchFamily="2" charset="2"/>
+              <a:buChar char="§"/>
+            </a:pPr>
+            <a:r>
+              <a:rPr lang="sr-Latn-RS" dirty="0"/>
+              <a:t>Interna struktura</a:t>
+            </a:r>
+          </a:p>
+          <a:p>
+            <a:pPr>
+              <a:buFont typeface="Wingdings" panose="05000000000000000000" pitchFamily="2" charset="2"/>
+              <a:buChar char="§"/>
+            </a:pPr>
+            <a:r>
+              <a:rPr lang="sr-Latn-RS" dirty="0"/>
+              <a:t>Koncept indeksiranja</a:t>
+            </a:r>
+          </a:p>
+          <a:p>
+            <a:pPr lvl="1">
+              <a:buFont typeface="Arial" panose="020B0604020202020204" pitchFamily="34" charset="0"/>
+              <a:buChar char="•"/>
+            </a:pPr>
+            <a:r>
+              <a:rPr lang="sr-Latn-RS" dirty="0"/>
+              <a:t>Sekundarni indeks</a:t>
+            </a:r>
+          </a:p>
+          <a:p>
+            <a:pPr lvl="1">
+              <a:buFont typeface="Arial" panose="020B0604020202020204" pitchFamily="34" charset="0"/>
+              <a:buChar char="•"/>
+            </a:pPr>
+            <a:r>
+              <a:rPr lang="sr-Latn-RS" dirty="0"/>
+              <a:t>Upotreba više indeksa</a:t>
+            </a:r>
+          </a:p>
+          <a:p>
+            <a:pPr lvl="1">
+              <a:buFont typeface="Arial" panose="020B0604020202020204" pitchFamily="34" charset="0"/>
+              <a:buChar char="•"/>
+            </a:pPr>
+            <a:r>
+              <a:rPr lang="sr-Latn-RS" dirty="0"/>
+              <a:t>SASI indeks</a:t>
+            </a:r>
+          </a:p>
+          <a:p>
+            <a:pPr lvl="1">
+              <a:buFont typeface="Arial" panose="020B0604020202020204" pitchFamily="34" charset="0"/>
+              <a:buChar char="•"/>
+            </a:pPr>
+            <a:r>
+              <a:rPr lang="sr-Latn-RS" dirty="0"/>
+              <a:t>Problemi sa korišćenjem</a:t>
+            </a:r>
+          </a:p>
+          <a:p>
+            <a:pPr lvl="1">
+              <a:buFont typeface="Arial" panose="020B0604020202020204" pitchFamily="34" charset="0"/>
+              <a:buChar char="•"/>
+            </a:pPr>
+            <a:r>
+              <a:rPr lang="sr-Latn-RS" dirty="0"/>
+              <a:t>Primeri primene</a:t>
+            </a:r>
+          </a:p>
+          <a:p>
+            <a:pPr>
+              <a:buFont typeface="Wingdings" panose="05000000000000000000" pitchFamily="2" charset="2"/>
+              <a:buChar char="§"/>
+            </a:pPr>
+            <a:r>
+              <a:rPr lang="sr-Latn-RS" dirty="0"/>
+              <a:t>Praktična primena</a:t>
+            </a:r>
+          </a:p>
+          <a:p>
+            <a:pPr lvl="1">
+              <a:buFont typeface="Arial" panose="020B0604020202020204" pitchFamily="34" charset="0"/>
+              <a:buChar char="•"/>
+            </a:pPr>
+            <a:r>
+              <a:rPr lang="sr-Latn-RS" dirty="0"/>
+              <a:t>Pokretanje baze, Skup podataka, Unos i upotreba podataka</a:t>
+            </a:r>
+          </a:p>
+          <a:p>
+            <a:pPr>
+              <a:buFont typeface="Wingdings" panose="05000000000000000000" pitchFamily="2" charset="2"/>
+              <a:buChar char="§"/>
+            </a:pPr>
+            <a:r>
+              <a:rPr lang="sr-Latn-RS" dirty="0"/>
+              <a:t>Zaključak</a:t>
+            </a:r>
+            <a:endParaRPr lang="en-US" dirty="0"/>
+          </a:p>
+        </p:txBody>
+      </p:sp>
+    </p:spTree>
+    <p:extLst>
+      <p:ext uri="{BB962C8B-B14F-4D97-AF65-F5344CB8AC3E}">
+        <p14:creationId xmlns:p14="http://schemas.microsoft.com/office/powerpoint/2010/main" val="279468019"/>
+      </p:ext>
+    </p:extLst>
+  </p:cSld>
+  <p:clrMapOvr>
+    <a:masterClrMapping/>
+  </p:clrMapOvr>
+</p:sld>
+</file>
+
+<file path=ppt/slides/slide20.xml><?xml version="1.0" encoding="utf-8"?>
 <p:sld xmlns:a="http://schemas.openxmlformats.org/drawingml/2006/main" xmlns:r="http://schemas.openxmlformats.org/officeDocument/2006/relationships" xmlns:p="http://schemas.openxmlformats.org/presentationml/2006/main">
   <p:cSld>
     <p:spTree>
@@ -9148,7 +11746,7 @@
 </p:sld>
 </file>
 
-<file path=ppt/slides/slide19.xml><?xml version="1.0" encoding="utf-8"?>
+<file path=ppt/slides/slide21.xml><?xml version="1.0" encoding="utf-8"?>
 <p:sld xmlns:a="http://schemas.openxmlformats.org/drawingml/2006/main" xmlns:r="http://schemas.openxmlformats.org/officeDocument/2006/relationships" xmlns:p="http://schemas.openxmlformats.org/presentationml/2006/main">
   <p:cSld>
     <p:spTree>
@@ -9358,195 +11956,7 @@
 </p:sld>
 </file>
 
-<file path=ppt/slides/slide2.xml><?xml version="1.0" encoding="utf-8"?>
-<p:sld xmlns:a="http://schemas.openxmlformats.org/drawingml/2006/main" xmlns:r="http://schemas.openxmlformats.org/officeDocument/2006/relationships" xmlns:p="http://schemas.openxmlformats.org/presentationml/2006/main">
-  <p:cSld>
-    <p:spTree>
-      <p:nvGrpSpPr>
-        <p:cNvPr id="1" name=""/>
-        <p:cNvGrpSpPr/>
-        <p:nvPr/>
-      </p:nvGrpSpPr>
-      <p:grpSpPr>
-        <a:xfrm>
-          <a:off x="0" y="0"/>
-          <a:ext cx="0" cy="0"/>
-          <a:chOff x="0" y="0"/>
-          <a:chExt cx="0" cy="0"/>
-        </a:xfrm>
-      </p:grpSpPr>
-      <p:sp>
-        <p:nvSpPr>
-          <p:cNvPr id="2" name="Title 1">
-            <a:extLst>
-              <a:ext uri="{FF2B5EF4-FFF2-40B4-BE49-F238E27FC236}">
-                <a16:creationId xmlns:a16="http://schemas.microsoft.com/office/drawing/2014/main" id="{CE6796FE-23CB-410E-8807-E827CF0E84EB}"/>
-              </a:ext>
-            </a:extLst>
-          </p:cNvPr>
-          <p:cNvSpPr>
-            <a:spLocks noGrp="1"/>
-          </p:cNvSpPr>
-          <p:nvPr>
-            <p:ph type="title"/>
-          </p:nvPr>
-        </p:nvSpPr>
-        <p:spPr/>
-        <p:txBody>
-          <a:bodyPr/>
-          <a:lstStyle/>
-          <a:p>
-            <a:r>
-              <a:rPr lang="sr-Latn-RS" b="1" dirty="0">
-                <a:latin typeface="Times New Roman" panose="02020603050405020304" pitchFamily="18" charset="0"/>
-                <a:cs typeface="Times New Roman" panose="02020603050405020304" pitchFamily="18" charset="0"/>
-              </a:rPr>
-              <a:t>Uvod</a:t>
-            </a:r>
-            <a:endParaRPr lang="en-US" b="1" dirty="0">
-              <a:latin typeface="Times New Roman" panose="02020603050405020304" pitchFamily="18" charset="0"/>
-              <a:cs typeface="Times New Roman" panose="02020603050405020304" pitchFamily="18" charset="0"/>
-            </a:endParaRPr>
-          </a:p>
-        </p:txBody>
-      </p:sp>
-      <p:sp>
-        <p:nvSpPr>
-          <p:cNvPr id="3" name="Content Placeholder 2">
-            <a:extLst>
-              <a:ext uri="{FF2B5EF4-FFF2-40B4-BE49-F238E27FC236}">
-                <a16:creationId xmlns:a16="http://schemas.microsoft.com/office/drawing/2014/main" id="{D4CFBB9F-4213-4A32-BE11-43E33F6E8D77}"/>
-              </a:ext>
-            </a:extLst>
-          </p:cNvPr>
-          <p:cNvSpPr>
-            <a:spLocks noGrp="1"/>
-          </p:cNvSpPr>
-          <p:nvPr>
-            <p:ph idx="1"/>
-          </p:nvPr>
-        </p:nvSpPr>
-        <p:spPr/>
-        <p:txBody>
-          <a:bodyPr/>
-          <a:lstStyle/>
-          <a:p>
-            <a:pPr>
-              <a:buFont typeface="Wingdings" panose="05000000000000000000" pitchFamily="2" charset="2"/>
-              <a:buChar char="§"/>
-            </a:pPr>
-            <a:r>
-              <a:rPr lang="sr-Latn-RS" dirty="0"/>
-              <a:t>Apache Cassandra-opšte informacije</a:t>
-            </a:r>
-          </a:p>
-          <a:p>
-            <a:pPr>
-              <a:buFont typeface="Wingdings" panose="05000000000000000000" pitchFamily="2" charset="2"/>
-              <a:buChar char="§"/>
-            </a:pPr>
-            <a:r>
-              <a:rPr lang="sr-Latn-RS" dirty="0"/>
-              <a:t>Interna struktura</a:t>
-            </a:r>
-          </a:p>
-          <a:p>
-            <a:pPr>
-              <a:buFont typeface="Wingdings" panose="05000000000000000000" pitchFamily="2" charset="2"/>
-              <a:buChar char="§"/>
-            </a:pPr>
-            <a:r>
-              <a:rPr lang="sr-Latn-RS" dirty="0"/>
-              <a:t>Koncept indeksiranja</a:t>
-            </a:r>
-          </a:p>
-          <a:p>
-            <a:pPr lvl="1">
-              <a:buFont typeface="Arial" panose="020B0604020202020204" pitchFamily="34" charset="0"/>
-              <a:buChar char="•"/>
-            </a:pPr>
-            <a:r>
-              <a:rPr lang="sr-Latn-RS" dirty="0"/>
-              <a:t>Sekundarni indeks</a:t>
-            </a:r>
-          </a:p>
-          <a:p>
-            <a:pPr lvl="1">
-              <a:buFont typeface="Arial" panose="020B0604020202020204" pitchFamily="34" charset="0"/>
-              <a:buChar char="•"/>
-            </a:pPr>
-            <a:r>
-              <a:rPr lang="sr-Latn-RS" dirty="0"/>
-              <a:t>Upotreba više indeksa</a:t>
-            </a:r>
-          </a:p>
-          <a:p>
-            <a:pPr lvl="1">
-              <a:buFont typeface="Arial" panose="020B0604020202020204" pitchFamily="34" charset="0"/>
-              <a:buChar char="•"/>
-            </a:pPr>
-            <a:r>
-              <a:rPr lang="sr-Latn-RS" dirty="0"/>
-              <a:t>Problemi sa korišćenjem</a:t>
-            </a:r>
-          </a:p>
-          <a:p>
-            <a:pPr lvl="1">
-              <a:buFont typeface="Arial" panose="020B0604020202020204" pitchFamily="34" charset="0"/>
-              <a:buChar char="•"/>
-            </a:pPr>
-            <a:r>
-              <a:rPr lang="sr-Latn-RS" dirty="0"/>
-              <a:t>Primeri primene</a:t>
-            </a:r>
-          </a:p>
-          <a:p>
-            <a:pPr>
-              <a:buFont typeface="Wingdings" panose="05000000000000000000" pitchFamily="2" charset="2"/>
-              <a:buChar char="§"/>
-            </a:pPr>
-            <a:r>
-              <a:rPr lang="sr-Latn-RS" dirty="0"/>
-              <a:t>Praktična primena</a:t>
-            </a:r>
-          </a:p>
-          <a:p>
-            <a:pPr lvl="1">
-              <a:buFont typeface="Arial" panose="020B0604020202020204" pitchFamily="34" charset="0"/>
-              <a:buChar char="•"/>
-            </a:pPr>
-            <a:r>
-              <a:rPr lang="sr-Latn-RS" dirty="0"/>
-              <a:t>Pokretanje baze, Skup podataka, Unos i upotreba podataka</a:t>
-            </a:r>
-          </a:p>
-          <a:p>
-            <a:pPr>
-              <a:buFont typeface="Wingdings" panose="05000000000000000000" pitchFamily="2" charset="2"/>
-              <a:buChar char="§"/>
-            </a:pPr>
-            <a:r>
-              <a:rPr lang="sr-Latn-RS" dirty="0"/>
-              <a:t>Zaključak</a:t>
-            </a:r>
-            <a:endParaRPr lang="en-US" dirty="0"/>
-          </a:p>
-        </p:txBody>
-      </p:sp>
-    </p:spTree>
-    <p:extLst>
-      <p:ext uri="{BB962C8B-B14F-4D97-AF65-F5344CB8AC3E}">
-        <p14:creationId xmlns:p14="http://schemas.microsoft.com/office/powerpoint/2010/main" val="279468019"/>
-      </p:ext>
-    </p:extLst>
-  </p:cSld>
-  <p:clrMapOvr>
-    <a:masterClrMapping/>
-  </p:clrMapOvr>
-</p:sld>
-</file>
-
-<file path=ppt/slides/slide20.xml><?xml version="1.0" encoding="utf-8"?>
+<file path=ppt/slides/slide22.xml><?xml version="1.0" encoding="utf-8"?>
 <p:sld xmlns:a="http://schemas.openxmlformats.org/drawingml/2006/main" xmlns:r="http://schemas.openxmlformats.org/officeDocument/2006/relationships" xmlns:p="http://schemas.openxmlformats.org/presentationml/2006/main">
   <p:cSld>
     <p:spTree>
@@ -10004,7 +12414,87 @@
 </p:sld>
 </file>
 
-<file path=ppt/slides/slide21.xml><?xml version="1.0" encoding="utf-8"?>
+<file path=ppt/slides/slide23.xml><?xml version="1.0" encoding="utf-8"?>
+<p:sld xmlns:a="http://schemas.openxmlformats.org/drawingml/2006/main" xmlns:r="http://schemas.openxmlformats.org/officeDocument/2006/relationships" xmlns:p="http://schemas.openxmlformats.org/presentationml/2006/main">
+  <p:cSld>
+    <p:spTree>
+      <p:nvGrpSpPr>
+        <p:cNvPr id="1" name=""/>
+        <p:cNvGrpSpPr/>
+        <p:nvPr/>
+      </p:nvGrpSpPr>
+      <p:grpSpPr>
+        <a:xfrm>
+          <a:off x="0" y="0"/>
+          <a:ext cx="0" cy="0"/>
+          <a:chOff x="0" y="0"/>
+          <a:chExt cx="0" cy="0"/>
+        </a:xfrm>
+      </p:grpSpPr>
+      <p:sp>
+        <p:nvSpPr>
+          <p:cNvPr id="2" name="Title 1">
+            <a:extLst>
+              <a:ext uri="{FF2B5EF4-FFF2-40B4-BE49-F238E27FC236}">
+                <a16:creationId xmlns:a16="http://schemas.microsoft.com/office/drawing/2014/main" id="{A9A70977-FB5C-4B52-900F-7AD1E531C7D5}"/>
+              </a:ext>
+            </a:extLst>
+          </p:cNvPr>
+          <p:cNvSpPr>
+            <a:spLocks noGrp="1"/>
+          </p:cNvSpPr>
+          <p:nvPr>
+            <p:ph type="title"/>
+          </p:nvPr>
+        </p:nvSpPr>
+        <p:spPr/>
+        <p:txBody>
+          <a:bodyPr/>
+          <a:lstStyle/>
+          <a:p>
+            <a:endParaRPr lang="en-US"/>
+          </a:p>
+        </p:txBody>
+      </p:sp>
+      <p:sp>
+        <p:nvSpPr>
+          <p:cNvPr id="3" name="Content Placeholder 2">
+            <a:extLst>
+              <a:ext uri="{FF2B5EF4-FFF2-40B4-BE49-F238E27FC236}">
+                <a16:creationId xmlns:a16="http://schemas.microsoft.com/office/drawing/2014/main" id="{1C27D71C-1128-46F5-BDE1-2520CC75E444}"/>
+              </a:ext>
+            </a:extLst>
+          </p:cNvPr>
+          <p:cNvSpPr>
+            <a:spLocks noGrp="1"/>
+          </p:cNvSpPr>
+          <p:nvPr>
+            <p:ph idx="1"/>
+          </p:nvPr>
+        </p:nvSpPr>
+        <p:spPr/>
+        <p:txBody>
+          <a:bodyPr/>
+          <a:lstStyle/>
+          <a:p>
+            <a:endParaRPr lang="en-US"/>
+          </a:p>
+        </p:txBody>
+      </p:sp>
+    </p:spTree>
+    <p:extLst>
+      <p:ext uri="{BB962C8B-B14F-4D97-AF65-F5344CB8AC3E}">
+        <p14:creationId xmlns:p14="http://schemas.microsoft.com/office/powerpoint/2010/main" val="2841804733"/>
+      </p:ext>
+    </p:extLst>
+  </p:cSld>
+  <p:clrMapOvr>
+    <a:masterClrMapping/>
+  </p:clrMapOvr>
+</p:sld>
+</file>
+
+<file path=ppt/slides/slide24.xml><?xml version="1.0" encoding="utf-8"?>
 <p:sld xmlns:a="http://schemas.openxmlformats.org/drawingml/2006/main" xmlns:r="http://schemas.openxmlformats.org/officeDocument/2006/relationships" xmlns:p="http://schemas.openxmlformats.org/presentationml/2006/main">
   <p:cSld>
     <p:spTree>
@@ -10105,6 +12595,77 @@
     <p:extLst>
       <p:ext uri="{BB962C8B-B14F-4D97-AF65-F5344CB8AC3E}">
         <p14:creationId xmlns:p14="http://schemas.microsoft.com/office/powerpoint/2010/main" val="1565913211"/>
+      </p:ext>
+    </p:extLst>
+  </p:cSld>
+  <p:clrMapOvr>
+    <a:masterClrMapping/>
+  </p:clrMapOvr>
+</p:sld>
+</file>
+
+<file path=ppt/slides/slide25.xml><?xml version="1.0" encoding="utf-8"?>
+<p:sld xmlns:a="http://schemas.openxmlformats.org/drawingml/2006/main" xmlns:r="http://schemas.openxmlformats.org/officeDocument/2006/relationships" xmlns:p="http://schemas.openxmlformats.org/presentationml/2006/main">
+  <p:cSld>
+    <p:spTree>
+      <p:nvGrpSpPr>
+        <p:cNvPr id="1" name=""/>
+        <p:cNvGrpSpPr/>
+        <p:nvPr/>
+      </p:nvGrpSpPr>
+      <p:grpSpPr>
+        <a:xfrm>
+          <a:off x="0" y="0"/>
+          <a:ext cx="0" cy="0"/>
+          <a:chOff x="0" y="0"/>
+          <a:chExt cx="0" cy="0"/>
+        </a:xfrm>
+      </p:grpSpPr>
+      <p:sp>
+        <p:nvSpPr>
+          <p:cNvPr id="2" name="Title 1">
+            <a:extLst>
+              <a:ext uri="{FF2B5EF4-FFF2-40B4-BE49-F238E27FC236}">
+                <a16:creationId xmlns:a16="http://schemas.microsoft.com/office/drawing/2014/main" id="{4813021B-A015-4FEE-AAF5-457E315EC99D}"/>
+              </a:ext>
+            </a:extLst>
+          </p:cNvPr>
+          <p:cNvSpPr>
+            <a:spLocks noGrp="1"/>
+          </p:cNvSpPr>
+          <p:nvPr>
+            <p:ph type="title"/>
+          </p:nvPr>
+        </p:nvSpPr>
+        <p:spPr>
+          <a:xfrm>
+            <a:off x="1066800" y="1473719"/>
+            <a:ext cx="10058400" cy="1450757"/>
+          </a:xfrm>
+        </p:spPr>
+        <p:txBody>
+          <a:bodyPr/>
+          <a:lstStyle/>
+          <a:p>
+            <a:pPr algn="ctr"/>
+            <a:r>
+              <a:rPr lang="sr-Latn-RS" b="1" dirty="0">
+                <a:latin typeface="Times New Roman" panose="02020603050405020304" pitchFamily="18" charset="0"/>
+                <a:cs typeface="Times New Roman" panose="02020603050405020304" pitchFamily="18" charset="0"/>
+              </a:rPr>
+              <a:t>HVALA NA PAŽNJI!</a:t>
+            </a:r>
+            <a:endParaRPr lang="en-US" b="1" dirty="0">
+              <a:latin typeface="Times New Roman" panose="02020603050405020304" pitchFamily="18" charset="0"/>
+              <a:cs typeface="Times New Roman" panose="02020603050405020304" pitchFamily="18" charset="0"/>
+            </a:endParaRPr>
+          </a:p>
+        </p:txBody>
+      </p:sp>
+    </p:spTree>
+    <p:extLst>
+      <p:ext uri="{BB962C8B-B14F-4D97-AF65-F5344CB8AC3E}">
+        <p14:creationId xmlns:p14="http://schemas.microsoft.com/office/powerpoint/2010/main" val="2519144734"/>
       </p:ext>
     </p:extLst>
   </p:cSld>
@@ -10422,8 +12983,44 @@
         </p:blipFill>
         <p:spPr>
           <a:xfrm>
-            <a:off x="2921917" y="3857414"/>
-            <a:ext cx="6348165" cy="1876425"/>
+            <a:off x="563727" y="2766551"/>
+            <a:ext cx="5532273" cy="1635259"/>
+          </a:xfrm>
+          <a:prstGeom prst="rect">
+            <a:avLst/>
+          </a:prstGeom>
+        </p:spPr>
+      </p:pic>
+      <p:pic>
+        <p:nvPicPr>
+          <p:cNvPr id="5" name="Picture 4">
+            <a:extLst>
+              <a:ext uri="{FF2B5EF4-FFF2-40B4-BE49-F238E27FC236}">
+                <a16:creationId xmlns:a16="http://schemas.microsoft.com/office/drawing/2014/main" id="{B0C5B892-A5EB-40DE-80BC-0EBE253B654C}"/>
+              </a:ext>
+            </a:extLst>
+          </p:cNvPr>
+          <p:cNvPicPr>
+            <a:picLocks noChangeAspect="1"/>
+          </p:cNvPicPr>
+          <p:nvPr/>
+        </p:nvPicPr>
+        <p:blipFill>
+          <a:blip r:embed="rId3" cstate="print">
+            <a:extLst>
+              <a:ext uri="{28A0092B-C50C-407E-A947-70E740481C1C}">
+                <a14:useLocalDpi xmlns:a14="http://schemas.microsoft.com/office/drawing/2010/main" val="0"/>
+              </a:ext>
+            </a:extLst>
+          </a:blip>
+          <a:stretch>
+            <a:fillRect/>
+          </a:stretch>
+        </p:blipFill>
+        <p:spPr>
+          <a:xfrm>
+            <a:off x="6400801" y="3188917"/>
+            <a:ext cx="5303520" cy="2999568"/>
           </a:xfrm>
           <a:prstGeom prst="rect">
             <a:avLst/>
@@ -10465,107 +13062,6 @@
           <p:cNvPr id="2" name="Title 1">
             <a:extLst>
               <a:ext uri="{FF2B5EF4-FFF2-40B4-BE49-F238E27FC236}">
-                <a16:creationId xmlns:a16="http://schemas.microsoft.com/office/drawing/2014/main" id="{976F1D5D-CC06-4ED4-A248-A45E00C2DAB1}"/>
-              </a:ext>
-            </a:extLst>
-          </p:cNvPr>
-          <p:cNvSpPr>
-            <a:spLocks noGrp="1"/>
-          </p:cNvSpPr>
-          <p:nvPr>
-            <p:ph type="title"/>
-          </p:nvPr>
-        </p:nvSpPr>
-        <p:spPr/>
-        <p:txBody>
-          <a:bodyPr/>
-          <a:lstStyle/>
-          <a:p>
-            <a:r>
-              <a:rPr lang="sr-Latn-RS" b="1" dirty="0">
-                <a:latin typeface="Times New Roman" panose="02020603050405020304" pitchFamily="18" charset="0"/>
-                <a:cs typeface="Times New Roman" panose="02020603050405020304" pitchFamily="18" charset="0"/>
-              </a:rPr>
-              <a:t>DataModel</a:t>
-            </a:r>
-            <a:endParaRPr lang="en-US" b="1" dirty="0">
-              <a:latin typeface="Times New Roman" panose="02020603050405020304" pitchFamily="18" charset="0"/>
-              <a:cs typeface="Times New Roman" panose="02020603050405020304" pitchFamily="18" charset="0"/>
-            </a:endParaRPr>
-          </a:p>
-        </p:txBody>
-      </p:sp>
-      <p:pic>
-        <p:nvPicPr>
-          <p:cNvPr id="4" name="Picture 3">
-            <a:extLst>
-              <a:ext uri="{FF2B5EF4-FFF2-40B4-BE49-F238E27FC236}">
-                <a16:creationId xmlns:a16="http://schemas.microsoft.com/office/drawing/2014/main" id="{CA29FADA-2FCC-4498-98E0-3318FCA3F456}"/>
-              </a:ext>
-            </a:extLst>
-          </p:cNvPr>
-          <p:cNvPicPr>
-            <a:picLocks noChangeAspect="1"/>
-          </p:cNvPicPr>
-          <p:nvPr/>
-        </p:nvPicPr>
-        <p:blipFill>
-          <a:blip r:embed="rId2" cstate="print">
-            <a:extLst>
-              <a:ext uri="{28A0092B-C50C-407E-A947-70E740481C1C}">
-                <a14:useLocalDpi xmlns:a14="http://schemas.microsoft.com/office/drawing/2010/main" val="0"/>
-              </a:ext>
-            </a:extLst>
-          </a:blip>
-          <a:stretch>
-            <a:fillRect/>
-          </a:stretch>
-        </p:blipFill>
-        <p:spPr>
-          <a:xfrm>
-            <a:off x="2975603" y="2224441"/>
-            <a:ext cx="6240794" cy="3529672"/>
-          </a:xfrm>
-          <a:prstGeom prst="rect">
-            <a:avLst/>
-          </a:prstGeom>
-        </p:spPr>
-      </p:pic>
-    </p:spTree>
-    <p:extLst>
-      <p:ext uri="{BB962C8B-B14F-4D97-AF65-F5344CB8AC3E}">
-        <p14:creationId xmlns:p14="http://schemas.microsoft.com/office/powerpoint/2010/main" val="3168780458"/>
-      </p:ext>
-    </p:extLst>
-  </p:cSld>
-  <p:clrMapOvr>
-    <a:masterClrMapping/>
-  </p:clrMapOvr>
-</p:sld>
-</file>
-
-<file path=ppt/slides/slide6.xml><?xml version="1.0" encoding="utf-8"?>
-<p:sld xmlns:a="http://schemas.openxmlformats.org/drawingml/2006/main" xmlns:r="http://schemas.openxmlformats.org/officeDocument/2006/relationships" xmlns:p="http://schemas.openxmlformats.org/presentationml/2006/main">
-  <p:cSld>
-    <p:spTree>
-      <p:nvGrpSpPr>
-        <p:cNvPr id="1" name=""/>
-        <p:cNvGrpSpPr/>
-        <p:nvPr/>
-      </p:nvGrpSpPr>
-      <p:grpSpPr>
-        <a:xfrm>
-          <a:off x="0" y="0"/>
-          <a:ext cx="0" cy="0"/>
-          <a:chOff x="0" y="0"/>
-          <a:chExt cx="0" cy="0"/>
-        </a:xfrm>
-      </p:grpSpPr>
-      <p:sp>
-        <p:nvSpPr>
-          <p:cNvPr id="2" name="Title 1">
-            <a:extLst>
-              <a:ext uri="{FF2B5EF4-FFF2-40B4-BE49-F238E27FC236}">
                 <a16:creationId xmlns:a16="http://schemas.microsoft.com/office/drawing/2014/main" id="{2A528519-46CB-4AE0-AA03-118C884F6D58}"/>
               </a:ext>
             </a:extLst>
@@ -10673,7 +13169,7 @@
 </p:sld>
 </file>
 
-<file path=ppt/slides/slide7.xml><?xml version="1.0" encoding="utf-8"?>
+<file path=ppt/slides/slide6.xml><?xml version="1.0" encoding="utf-8"?>
 <p:sld xmlns:a="http://schemas.openxmlformats.org/drawingml/2006/main" xmlns:r="http://schemas.openxmlformats.org/officeDocument/2006/relationships" xmlns:p="http://schemas.openxmlformats.org/presentationml/2006/main">
   <p:cSld>
     <p:spTree>
@@ -13054,6 +15550,590 @@
     <p:extLst>
       <p:ext uri="{BB962C8B-B14F-4D97-AF65-F5344CB8AC3E}">
         <p14:creationId xmlns:p14="http://schemas.microsoft.com/office/powerpoint/2010/main" val="2307767878"/>
+      </p:ext>
+    </p:extLst>
+  </p:cSld>
+  <p:clrMapOvr>
+    <a:masterClrMapping/>
+  </p:clrMapOvr>
+</p:sld>
+</file>
+
+<file path=ppt/slides/slide7.xml><?xml version="1.0" encoding="utf-8"?>
+<p:sld xmlns:a="http://schemas.openxmlformats.org/drawingml/2006/main" xmlns:r="http://schemas.openxmlformats.org/officeDocument/2006/relationships" xmlns:p="http://schemas.openxmlformats.org/presentationml/2006/main">
+  <p:cSld>
+    <p:spTree>
+      <p:nvGrpSpPr>
+        <p:cNvPr id="1" name=""/>
+        <p:cNvGrpSpPr/>
+        <p:nvPr/>
+      </p:nvGrpSpPr>
+      <p:grpSpPr>
+        <a:xfrm>
+          <a:off x="0" y="0"/>
+          <a:ext cx="0" cy="0"/>
+          <a:chOff x="0" y="0"/>
+          <a:chExt cx="0" cy="0"/>
+        </a:xfrm>
+      </p:grpSpPr>
+      <p:sp>
+        <p:nvSpPr>
+          <p:cNvPr id="2" name="Title 1">
+            <a:extLst>
+              <a:ext uri="{FF2B5EF4-FFF2-40B4-BE49-F238E27FC236}">
+                <a16:creationId xmlns:a16="http://schemas.microsoft.com/office/drawing/2014/main" id="{7A486D72-A57C-454E-804E-75FB64BE5044}"/>
+              </a:ext>
+            </a:extLst>
+          </p:cNvPr>
+          <p:cNvSpPr>
+            <a:spLocks noGrp="1"/>
+          </p:cNvSpPr>
+          <p:nvPr>
+            <p:ph type="title"/>
+          </p:nvPr>
+        </p:nvSpPr>
+        <p:spPr/>
+        <p:txBody>
+          <a:bodyPr/>
+          <a:lstStyle/>
+          <a:p>
+            <a:r>
+              <a:rPr lang="sr-Latn-RS" b="1" dirty="0">
+                <a:latin typeface="Times New Roman" panose="02020603050405020304" pitchFamily="18" charset="0"/>
+                <a:cs typeface="Times New Roman" panose="02020603050405020304" pitchFamily="18" charset="0"/>
+              </a:rPr>
+              <a:t>Primarni i sekundarni indeks</a:t>
+            </a:r>
+            <a:endParaRPr lang="en-US" b="1" dirty="0">
+              <a:latin typeface="Times New Roman" panose="02020603050405020304" pitchFamily="18" charset="0"/>
+              <a:cs typeface="Times New Roman" panose="02020603050405020304" pitchFamily="18" charset="0"/>
+            </a:endParaRPr>
+          </a:p>
+        </p:txBody>
+      </p:sp>
+      <p:sp>
+        <p:nvSpPr>
+          <p:cNvPr id="3" name="Content Placeholder 2">
+            <a:extLst>
+              <a:ext uri="{FF2B5EF4-FFF2-40B4-BE49-F238E27FC236}">
+                <a16:creationId xmlns:a16="http://schemas.microsoft.com/office/drawing/2014/main" id="{F2AB0C83-9426-4398-BB9B-CCF7C06F3E73}"/>
+              </a:ext>
+            </a:extLst>
+          </p:cNvPr>
+          <p:cNvSpPr>
+            <a:spLocks noGrp="1"/>
+          </p:cNvSpPr>
+          <p:nvPr>
+            <p:ph idx="1"/>
+          </p:nvPr>
+        </p:nvSpPr>
+        <p:spPr/>
+        <p:txBody>
+          <a:bodyPr>
+            <a:normAutofit/>
+          </a:bodyPr>
+          <a:lstStyle/>
+          <a:p>
+            <a:pPr>
+              <a:buFont typeface="Arial" panose="020B0604020202020204" pitchFamily="34" charset="0"/>
+              <a:buChar char="•"/>
+            </a:pPr>
+            <a:r>
+              <a:rPr lang="sr-Latn-RS" sz="1600" dirty="0"/>
+              <a:t>Jedinstveni, particioni ključ</a:t>
+            </a:r>
+          </a:p>
+          <a:p>
+            <a:pPr>
+              <a:buFont typeface="Arial" panose="020B0604020202020204" pitchFamily="34" charset="0"/>
+              <a:buChar char="•"/>
+            </a:pPr>
+            <a:r>
+              <a:rPr lang="sr-Latn-RS" sz="1600" dirty="0"/>
+              <a:t>Cassandra koristi particioni ključ da identifikuje čvor koji drži podatke, a zatim datoteku podataka koja čuva particiju podataka</a:t>
+            </a:r>
+          </a:p>
+          <a:p>
+            <a:pPr>
+              <a:buFont typeface="Arial" panose="020B0604020202020204" pitchFamily="34" charset="0"/>
+              <a:buChar char="•"/>
+            </a:pPr>
+            <a:r>
+              <a:rPr lang="sr-Latn-RS" sz="1600" dirty="0"/>
+              <a:t>Pr: </a:t>
+            </a:r>
+            <a:r>
+              <a:rPr lang="sr-Latn-RS" sz="1600" dirty="0">
+                <a:latin typeface="Times New Roman" panose="02020603050405020304" pitchFamily="18" charset="0"/>
+              </a:rPr>
+              <a:t>T</a:t>
+            </a:r>
+            <a:r>
+              <a:rPr lang="en-US" sz="1600" dirty="0" err="1">
+                <a:effectLst/>
+                <a:latin typeface="Times New Roman" panose="02020603050405020304" pitchFamily="18" charset="0"/>
+                <a:ea typeface="Times New Roman" panose="02020603050405020304" pitchFamily="18" charset="0"/>
+              </a:rPr>
+              <a:t>abel</a:t>
+            </a:r>
+            <a:r>
+              <a:rPr lang="sr-Latn-RS" sz="1600" dirty="0">
+                <a:effectLst/>
+                <a:latin typeface="Times New Roman" panose="02020603050405020304" pitchFamily="18" charset="0"/>
+                <a:ea typeface="Times New Roman" panose="02020603050405020304" pitchFamily="18" charset="0"/>
+              </a:rPr>
+              <a:t>a</a:t>
+            </a:r>
+            <a:r>
+              <a:rPr lang="en-US" sz="1600" dirty="0">
+                <a:effectLst/>
+                <a:latin typeface="Times New Roman" panose="02020603050405020304" pitchFamily="18" charset="0"/>
+                <a:ea typeface="Times New Roman" panose="02020603050405020304" pitchFamily="18" charset="0"/>
+              </a:rPr>
+              <a:t> </a:t>
+            </a:r>
+            <a:r>
+              <a:rPr lang="en-US" sz="1600" dirty="0" err="1">
+                <a:effectLst/>
+                <a:latin typeface="Times New Roman" panose="02020603050405020304" pitchFamily="18" charset="0"/>
+                <a:ea typeface="Times New Roman" panose="02020603050405020304" pitchFamily="18" charset="0"/>
+              </a:rPr>
+              <a:t>korisnika</a:t>
+            </a:r>
+            <a:r>
+              <a:rPr lang="en-US" sz="1600" dirty="0">
+                <a:effectLst/>
+                <a:latin typeface="Times New Roman" panose="02020603050405020304" pitchFamily="18" charset="0"/>
+                <a:ea typeface="Times New Roman" panose="02020603050405020304" pitchFamily="18" charset="0"/>
+              </a:rPr>
+              <a:t>, koji </a:t>
+            </a:r>
+            <a:r>
+              <a:rPr lang="en-US" sz="1600" dirty="0" err="1">
+                <a:effectLst/>
+                <a:latin typeface="Times New Roman" panose="02020603050405020304" pitchFamily="18" charset="0"/>
+                <a:ea typeface="Times New Roman" panose="02020603050405020304" pitchFamily="18" charset="0"/>
+              </a:rPr>
+              <a:t>sadrži</a:t>
+            </a:r>
+            <a:r>
+              <a:rPr lang="en-US" sz="1600" dirty="0">
+                <a:effectLst/>
+                <a:latin typeface="Times New Roman" panose="02020603050405020304" pitchFamily="18" charset="0"/>
+                <a:ea typeface="Times New Roman" panose="02020603050405020304" pitchFamily="18" charset="0"/>
+              </a:rPr>
+              <a:t> e-</a:t>
+            </a:r>
+            <a:r>
+              <a:rPr lang="en-US" sz="1600" dirty="0" err="1">
+                <a:effectLst/>
+                <a:latin typeface="Times New Roman" panose="02020603050405020304" pitchFamily="18" charset="0"/>
+                <a:ea typeface="Times New Roman" panose="02020603050405020304" pitchFamily="18" charset="0"/>
+              </a:rPr>
+              <a:t>poštu</a:t>
+            </a:r>
+            <a:r>
+              <a:rPr lang="en-US" sz="1600" dirty="0">
+                <a:effectLst/>
+                <a:latin typeface="Times New Roman" panose="02020603050405020304" pitchFamily="18" charset="0"/>
+                <a:ea typeface="Times New Roman" panose="02020603050405020304" pitchFamily="18" charset="0"/>
+              </a:rPr>
+              <a:t> </a:t>
+            </a:r>
+            <a:r>
+              <a:rPr lang="en-US" sz="1600" dirty="0" err="1">
+                <a:effectLst/>
+                <a:latin typeface="Times New Roman" panose="02020603050405020304" pitchFamily="18" charset="0"/>
+                <a:ea typeface="Times New Roman" panose="02020603050405020304" pitchFamily="18" charset="0"/>
+              </a:rPr>
+              <a:t>korisnika</a:t>
+            </a:r>
+            <a:r>
+              <a:rPr lang="en-US" sz="1600" dirty="0">
+                <a:effectLst/>
+                <a:latin typeface="Times New Roman" panose="02020603050405020304" pitchFamily="18" charset="0"/>
+                <a:ea typeface="Times New Roman" panose="02020603050405020304" pitchFamily="18" charset="0"/>
+              </a:rPr>
+              <a:t>. </a:t>
+            </a:r>
+            <a:r>
+              <a:rPr lang="en-US" sz="1600" dirty="0" err="1">
+                <a:effectLst/>
+                <a:latin typeface="Times New Roman" panose="02020603050405020304" pitchFamily="18" charset="0"/>
+                <a:ea typeface="Times New Roman" panose="02020603050405020304" pitchFamily="18" charset="0"/>
+              </a:rPr>
+              <a:t>Primarni</a:t>
+            </a:r>
+            <a:r>
+              <a:rPr lang="en-US" sz="1600" dirty="0">
+                <a:effectLst/>
+                <a:latin typeface="Times New Roman" panose="02020603050405020304" pitchFamily="18" charset="0"/>
+                <a:ea typeface="Times New Roman" panose="02020603050405020304" pitchFamily="18" charset="0"/>
+              </a:rPr>
+              <a:t> </a:t>
+            </a:r>
+            <a:r>
+              <a:rPr lang="en-US" sz="1600" dirty="0" err="1">
+                <a:effectLst/>
+                <a:latin typeface="Times New Roman" panose="02020603050405020304" pitchFamily="18" charset="0"/>
+                <a:ea typeface="Times New Roman" panose="02020603050405020304" pitchFamily="18" charset="0"/>
+              </a:rPr>
+              <a:t>indeks</a:t>
+            </a:r>
+            <a:r>
+              <a:rPr lang="en-US" sz="1600" dirty="0">
+                <a:effectLst/>
+                <a:latin typeface="Times New Roman" panose="02020603050405020304" pitchFamily="18" charset="0"/>
+                <a:ea typeface="Times New Roman" panose="02020603050405020304" pitchFamily="18" charset="0"/>
+              </a:rPr>
+              <a:t> bio bi </a:t>
+            </a:r>
+            <a:r>
+              <a:rPr lang="en-US" sz="1600" dirty="0" err="1">
+                <a:effectLst/>
+                <a:latin typeface="Times New Roman" panose="02020603050405020304" pitchFamily="18" charset="0"/>
+                <a:ea typeface="Times New Roman" panose="02020603050405020304" pitchFamily="18" charset="0"/>
+              </a:rPr>
+              <a:t>korisnički</a:t>
+            </a:r>
+            <a:r>
+              <a:rPr lang="en-US" sz="1600" dirty="0">
+                <a:effectLst/>
+                <a:latin typeface="Times New Roman" panose="02020603050405020304" pitchFamily="18" charset="0"/>
+                <a:ea typeface="Times New Roman" panose="02020603050405020304" pitchFamily="18" charset="0"/>
+              </a:rPr>
+              <a:t> ID, </a:t>
+            </a:r>
+            <a:r>
+              <a:rPr lang="en-US" sz="1600" dirty="0" err="1">
+                <a:effectLst/>
+                <a:latin typeface="Times New Roman" panose="02020603050405020304" pitchFamily="18" charset="0"/>
+                <a:ea typeface="Times New Roman" panose="02020603050405020304" pitchFamily="18" charset="0"/>
+              </a:rPr>
+              <a:t>tako</a:t>
+            </a:r>
+            <a:r>
+              <a:rPr lang="en-US" sz="1600" dirty="0">
+                <a:effectLst/>
+                <a:latin typeface="Times New Roman" panose="02020603050405020304" pitchFamily="18" charset="0"/>
+                <a:ea typeface="Times New Roman" panose="02020603050405020304" pitchFamily="18" charset="0"/>
+              </a:rPr>
+              <a:t> da </a:t>
+            </a:r>
+            <a:r>
+              <a:rPr lang="en-US" sz="1600" dirty="0" err="1">
+                <a:effectLst/>
+                <a:latin typeface="Times New Roman" panose="02020603050405020304" pitchFamily="18" charset="0"/>
+                <a:ea typeface="Times New Roman" panose="02020603050405020304" pitchFamily="18" charset="0"/>
+              </a:rPr>
+              <a:t>ukoliko</a:t>
+            </a:r>
+            <a:r>
+              <a:rPr lang="en-US" sz="1600" dirty="0">
+                <a:effectLst/>
+                <a:latin typeface="Times New Roman" panose="02020603050405020304" pitchFamily="18" charset="0"/>
+                <a:ea typeface="Times New Roman" panose="02020603050405020304" pitchFamily="18" charset="0"/>
+              </a:rPr>
+              <a:t> je </a:t>
+            </a:r>
+            <a:r>
+              <a:rPr lang="en-US" sz="1600" dirty="0" err="1">
+                <a:effectLst/>
+                <a:latin typeface="Times New Roman" panose="02020603050405020304" pitchFamily="18" charset="0"/>
+                <a:ea typeface="Times New Roman" panose="02020603050405020304" pitchFamily="18" charset="0"/>
+              </a:rPr>
+              <a:t>potrebno</a:t>
+            </a:r>
+            <a:r>
+              <a:rPr lang="en-US" sz="1600" dirty="0">
+                <a:effectLst/>
+                <a:latin typeface="Times New Roman" panose="02020603050405020304" pitchFamily="18" charset="0"/>
+                <a:ea typeface="Times New Roman" panose="02020603050405020304" pitchFamily="18" charset="0"/>
+              </a:rPr>
+              <a:t> </a:t>
+            </a:r>
+            <a:r>
+              <a:rPr lang="en-US" sz="1600" dirty="0" err="1">
+                <a:effectLst/>
+                <a:latin typeface="Times New Roman" panose="02020603050405020304" pitchFamily="18" charset="0"/>
+                <a:ea typeface="Times New Roman" panose="02020603050405020304" pitchFamily="18" charset="0"/>
+              </a:rPr>
+              <a:t>pristupiti</a:t>
+            </a:r>
+            <a:r>
+              <a:rPr lang="en-US" sz="1600" dirty="0">
+                <a:effectLst/>
+                <a:latin typeface="Times New Roman" panose="02020603050405020304" pitchFamily="18" charset="0"/>
+                <a:ea typeface="Times New Roman" panose="02020603050405020304" pitchFamily="18" charset="0"/>
+              </a:rPr>
+              <a:t> e-</a:t>
+            </a:r>
+            <a:r>
+              <a:rPr lang="en-US" sz="1600" dirty="0" err="1">
+                <a:effectLst/>
+                <a:latin typeface="Times New Roman" panose="02020603050405020304" pitchFamily="18" charset="0"/>
+                <a:ea typeface="Times New Roman" panose="02020603050405020304" pitchFamily="18" charset="0"/>
+              </a:rPr>
+              <a:t>pošti</a:t>
+            </a:r>
+            <a:r>
+              <a:rPr lang="en-US" sz="1600" dirty="0">
+                <a:effectLst/>
+                <a:latin typeface="Times New Roman" panose="02020603050405020304" pitchFamily="18" charset="0"/>
+                <a:ea typeface="Times New Roman" panose="02020603050405020304" pitchFamily="18" charset="0"/>
+              </a:rPr>
+              <a:t> </a:t>
+            </a:r>
+            <a:r>
+              <a:rPr lang="en-US" sz="1600" dirty="0" err="1">
+                <a:effectLst/>
+                <a:latin typeface="Times New Roman" panose="02020603050405020304" pitchFamily="18" charset="0"/>
+                <a:ea typeface="Times New Roman" panose="02020603050405020304" pitchFamily="18" charset="0"/>
+              </a:rPr>
+              <a:t>određenog</a:t>
+            </a:r>
+            <a:r>
+              <a:rPr lang="en-US" sz="1600" dirty="0">
+                <a:effectLst/>
+                <a:latin typeface="Times New Roman" panose="02020603050405020304" pitchFamily="18" charset="0"/>
+                <a:ea typeface="Times New Roman" panose="02020603050405020304" pitchFamily="18" charset="0"/>
+              </a:rPr>
+              <a:t> </a:t>
+            </a:r>
+            <a:r>
+              <a:rPr lang="en-US" sz="1600" dirty="0" err="1">
+                <a:effectLst/>
+                <a:latin typeface="Times New Roman" panose="02020603050405020304" pitchFamily="18" charset="0"/>
+                <a:ea typeface="Times New Roman" panose="02020603050405020304" pitchFamily="18" charset="0"/>
+              </a:rPr>
+              <a:t>korisnika</a:t>
+            </a:r>
+            <a:r>
+              <a:rPr lang="en-US" sz="1600" dirty="0">
+                <a:effectLst/>
+                <a:latin typeface="Times New Roman" panose="02020603050405020304" pitchFamily="18" charset="0"/>
+                <a:ea typeface="Times New Roman" panose="02020603050405020304" pitchFamily="18" charset="0"/>
+              </a:rPr>
+              <a:t>, </a:t>
+            </a:r>
+            <a:r>
+              <a:rPr lang="en-US" sz="1600" dirty="0" err="1">
+                <a:effectLst/>
+                <a:latin typeface="Times New Roman" panose="02020603050405020304" pitchFamily="18" charset="0"/>
+                <a:ea typeface="Times New Roman" panose="02020603050405020304" pitchFamily="18" charset="0"/>
+              </a:rPr>
+              <a:t>mogu</a:t>
+            </a:r>
+            <a:r>
+              <a:rPr lang="en-US" sz="1600" dirty="0">
+                <a:effectLst/>
+                <a:latin typeface="Times New Roman" panose="02020603050405020304" pitchFamily="18" charset="0"/>
+                <a:ea typeface="Times New Roman" panose="02020603050405020304" pitchFamily="18" charset="0"/>
+              </a:rPr>
+              <a:t> se </a:t>
+            </a:r>
+            <a:r>
+              <a:rPr lang="en-US" sz="1600" dirty="0" err="1">
+                <a:effectLst/>
+                <a:latin typeface="Times New Roman" panose="02020603050405020304" pitchFamily="18" charset="0"/>
+                <a:ea typeface="Times New Roman" panose="02020603050405020304" pitchFamily="18" charset="0"/>
+              </a:rPr>
+              <a:t>pretražiti</a:t>
+            </a:r>
+            <a:r>
+              <a:rPr lang="en-US" sz="1600" dirty="0">
+                <a:effectLst/>
+                <a:latin typeface="Times New Roman" panose="02020603050405020304" pitchFamily="18" charset="0"/>
+                <a:ea typeface="Times New Roman" panose="02020603050405020304" pitchFamily="18" charset="0"/>
+              </a:rPr>
+              <a:t> po </a:t>
+            </a:r>
+            <a:r>
+              <a:rPr lang="en-US" sz="1600" dirty="0" err="1">
+                <a:effectLst/>
+                <a:latin typeface="Times New Roman" panose="02020603050405020304" pitchFamily="18" charset="0"/>
+                <a:ea typeface="Times New Roman" panose="02020603050405020304" pitchFamily="18" charset="0"/>
+              </a:rPr>
+              <a:t>njihovom</a:t>
+            </a:r>
+            <a:r>
+              <a:rPr lang="en-US" sz="1600" dirty="0">
+                <a:effectLst/>
+                <a:latin typeface="Times New Roman" panose="02020603050405020304" pitchFamily="18" charset="0"/>
+                <a:ea typeface="Times New Roman" panose="02020603050405020304" pitchFamily="18" charset="0"/>
+              </a:rPr>
+              <a:t> ID-u</a:t>
+            </a:r>
+            <a:r>
+              <a:rPr lang="sr-Latn-RS" sz="1600" dirty="0">
+                <a:effectLst/>
+                <a:latin typeface="Times New Roman" panose="02020603050405020304" pitchFamily="18" charset="0"/>
+                <a:ea typeface="Times New Roman" panose="02020603050405020304" pitchFamily="18" charset="0"/>
+              </a:rPr>
+              <a:t>.</a:t>
+            </a:r>
+          </a:p>
+          <a:p>
+            <a:pPr>
+              <a:buFont typeface="Arial" panose="020B0604020202020204" pitchFamily="34" charset="0"/>
+              <a:buChar char="•"/>
+            </a:pPr>
+            <a:r>
+              <a:rPr lang="en-US" sz="1600" dirty="0" err="1">
+                <a:effectLst/>
+                <a:latin typeface="Times New Roman" panose="02020603050405020304" pitchFamily="18" charset="0"/>
+                <a:ea typeface="Times New Roman" panose="02020603050405020304" pitchFamily="18" charset="0"/>
+              </a:rPr>
+              <a:t>Primarni</a:t>
+            </a:r>
+            <a:r>
+              <a:rPr lang="en-US" sz="1600" dirty="0">
+                <a:effectLst/>
+                <a:latin typeface="Times New Roman" panose="02020603050405020304" pitchFamily="18" charset="0"/>
+                <a:ea typeface="Times New Roman" panose="02020603050405020304" pitchFamily="18" charset="0"/>
+              </a:rPr>
+              <a:t> </a:t>
+            </a:r>
+            <a:r>
+              <a:rPr lang="en-US" sz="1600" dirty="0" err="1">
+                <a:effectLst/>
+                <a:latin typeface="Times New Roman" panose="02020603050405020304" pitchFamily="18" charset="0"/>
+                <a:ea typeface="Times New Roman" panose="02020603050405020304" pitchFamily="18" charset="0"/>
+              </a:rPr>
+              <a:t>indeks</a:t>
+            </a:r>
+            <a:r>
+              <a:rPr lang="en-US" sz="1600" dirty="0">
+                <a:effectLst/>
+                <a:latin typeface="Times New Roman" panose="02020603050405020304" pitchFamily="18" charset="0"/>
+                <a:ea typeface="Times New Roman" panose="02020603050405020304" pitchFamily="18" charset="0"/>
+              </a:rPr>
+              <a:t> je </a:t>
+            </a:r>
+            <a:r>
+              <a:rPr lang="en-US" sz="1600" dirty="0" err="1">
+                <a:effectLst/>
+                <a:latin typeface="Times New Roman" panose="02020603050405020304" pitchFamily="18" charset="0"/>
+                <a:ea typeface="Times New Roman" panose="02020603050405020304" pitchFamily="18" charset="0"/>
+              </a:rPr>
+              <a:t>globalni</a:t>
+            </a:r>
+            <a:r>
+              <a:rPr lang="en-US" sz="1600" dirty="0">
+                <a:effectLst/>
+                <a:latin typeface="Times New Roman" panose="02020603050405020304" pitchFamily="18" charset="0"/>
+                <a:ea typeface="Times New Roman" panose="02020603050405020304" pitchFamily="18" charset="0"/>
+              </a:rPr>
+              <a:t>, </a:t>
+            </a:r>
+            <a:r>
+              <a:rPr lang="en-US" sz="1600" dirty="0" err="1">
+                <a:effectLst/>
+                <a:latin typeface="Times New Roman" panose="02020603050405020304" pitchFamily="18" charset="0"/>
+                <a:ea typeface="Times New Roman" panose="02020603050405020304" pitchFamily="18" charset="0"/>
+              </a:rPr>
+              <a:t>dok</a:t>
+            </a:r>
+            <a:r>
+              <a:rPr lang="en-US" sz="1600" dirty="0">
+                <a:effectLst/>
+                <a:latin typeface="Times New Roman" panose="02020603050405020304" pitchFamily="18" charset="0"/>
+                <a:ea typeface="Times New Roman" panose="02020603050405020304" pitchFamily="18" charset="0"/>
+              </a:rPr>
+              <a:t> je </a:t>
+            </a:r>
+            <a:r>
+              <a:rPr lang="en-US" sz="1600" dirty="0" err="1">
+                <a:effectLst/>
+                <a:latin typeface="Times New Roman" panose="02020603050405020304" pitchFamily="18" charset="0"/>
+                <a:ea typeface="Times New Roman" panose="02020603050405020304" pitchFamily="18" charset="0"/>
+              </a:rPr>
+              <a:t>sekundarni</a:t>
+            </a:r>
+            <a:r>
+              <a:rPr lang="en-US" sz="1600" dirty="0">
+                <a:effectLst/>
+                <a:latin typeface="Times New Roman" panose="02020603050405020304" pitchFamily="18" charset="0"/>
+                <a:ea typeface="Times New Roman" panose="02020603050405020304" pitchFamily="18" charset="0"/>
+              </a:rPr>
+              <a:t> </a:t>
+            </a:r>
+            <a:r>
+              <a:rPr lang="en-US" sz="1600" dirty="0" err="1">
+                <a:effectLst/>
+                <a:latin typeface="Times New Roman" panose="02020603050405020304" pitchFamily="18" charset="0"/>
+                <a:ea typeface="Times New Roman" panose="02020603050405020304" pitchFamily="18" charset="0"/>
+              </a:rPr>
+              <a:t>indeks</a:t>
+            </a:r>
+            <a:r>
+              <a:rPr lang="en-US" sz="1600" dirty="0">
+                <a:effectLst/>
+                <a:latin typeface="Times New Roman" panose="02020603050405020304" pitchFamily="18" charset="0"/>
+                <a:ea typeface="Times New Roman" panose="02020603050405020304" pitchFamily="18" charset="0"/>
+              </a:rPr>
+              <a:t> </a:t>
+            </a:r>
+            <a:r>
+              <a:rPr lang="en-US" sz="1600" dirty="0" err="1">
+                <a:effectLst/>
+                <a:latin typeface="Times New Roman" panose="02020603050405020304" pitchFamily="18" charset="0"/>
+                <a:ea typeface="Times New Roman" panose="02020603050405020304" pitchFamily="18" charset="0"/>
+              </a:rPr>
+              <a:t>lokalni</a:t>
+            </a:r>
+            <a:r>
+              <a:rPr lang="en-US" sz="1600" dirty="0">
+                <a:effectLst/>
+                <a:latin typeface="Times New Roman" panose="02020603050405020304" pitchFamily="18" charset="0"/>
+                <a:ea typeface="Times New Roman" panose="02020603050405020304" pitchFamily="18" charset="0"/>
+              </a:rPr>
+              <a:t>.</a:t>
+            </a:r>
+            <a:endParaRPr lang="en-US" sz="1600" dirty="0"/>
+          </a:p>
+        </p:txBody>
+      </p:sp>
+      <p:pic>
+        <p:nvPicPr>
+          <p:cNvPr id="4" name="Picture 3">
+            <a:extLst>
+              <a:ext uri="{FF2B5EF4-FFF2-40B4-BE49-F238E27FC236}">
+                <a16:creationId xmlns:a16="http://schemas.microsoft.com/office/drawing/2014/main" id="{CF303395-FC2D-4069-807C-7A82FC91002B}"/>
+              </a:ext>
+            </a:extLst>
+          </p:cNvPr>
+          <p:cNvPicPr>
+            <a:picLocks noChangeAspect="1"/>
+          </p:cNvPicPr>
+          <p:nvPr/>
+        </p:nvPicPr>
+        <p:blipFill>
+          <a:blip r:embed="rId2">
+            <a:extLst>
+              <a:ext uri="{28A0092B-C50C-407E-A947-70E740481C1C}">
+                <a14:useLocalDpi xmlns:a14="http://schemas.microsoft.com/office/drawing/2010/main" val="0"/>
+              </a:ext>
+            </a:extLst>
+          </a:blip>
+          <a:stretch>
+            <a:fillRect/>
+          </a:stretch>
+        </p:blipFill>
+        <p:spPr>
+          <a:xfrm>
+            <a:off x="6601460" y="3429000"/>
+            <a:ext cx="4554220" cy="2570480"/>
+          </a:xfrm>
+          <a:prstGeom prst="rect">
+            <a:avLst/>
+          </a:prstGeom>
+        </p:spPr>
+      </p:pic>
+    </p:spTree>
+    <p:extLst>
+      <p:ext uri="{BB962C8B-B14F-4D97-AF65-F5344CB8AC3E}">
+        <p14:creationId xmlns:p14="http://schemas.microsoft.com/office/powerpoint/2010/main" val="2479580643"/>
       </p:ext>
     </p:extLst>
   </p:cSld>
